--- a/CSML1010_Group3_Project_Milestone02.pptx
+++ b/CSML1010_Group3_Project_Milestone02.pptx
@@ -5,7 +5,7 @@
     <p:sldMasterId id="2147483648" r:id="rId1"/>
   </p:sldMasterIdLst>
   <p:notesMasterIdLst>
-    <p:notesMasterId r:id="rId20"/>
+    <p:notesMasterId r:id="rId21"/>
   </p:notesMasterIdLst>
   <p:sldIdLst>
     <p:sldId id="257" r:id="rId2"/>
@@ -26,6 +26,7 @@
     <p:sldId id="309" r:id="rId17"/>
     <p:sldId id="305" r:id="rId18"/>
     <p:sldId id="308" r:id="rId19"/>
+    <p:sldId id="296" r:id="rId20"/>
   </p:sldIdLst>
   <p:sldSz cx="12192000" cy="6858000"/>
   <p:notesSz cx="6858000" cy="9144000"/>
@@ -4630,6 +4631,106 @@
 </p:notes>
 </file>
 
+<file path=ppt/notesSlides/notesSlide18.xml><?xml version="1.0" encoding="utf-8"?>
+<p:notes xmlns:a="http://schemas.openxmlformats.org/drawingml/2006/main" xmlns:r="http://schemas.openxmlformats.org/officeDocument/2006/relationships" xmlns:p="http://schemas.openxmlformats.org/presentationml/2006/main">
+  <p:cSld>
+    <p:spTree>
+      <p:nvGrpSpPr>
+        <p:cNvPr id="1" name=""/>
+        <p:cNvGrpSpPr/>
+        <p:nvPr/>
+      </p:nvGrpSpPr>
+      <p:grpSpPr>
+        <a:xfrm>
+          <a:off x="0" y="0"/>
+          <a:ext cx="0" cy="0"/>
+          <a:chOff x="0" y="0"/>
+          <a:chExt cx="0" cy="0"/>
+        </a:xfrm>
+      </p:grpSpPr>
+      <p:sp>
+        <p:nvSpPr>
+          <p:cNvPr id="2" name="Slide Image Placeholder 1"/>
+          <p:cNvSpPr>
+            <a:spLocks noGrp="1" noRot="1" noChangeAspect="1"/>
+          </p:cNvSpPr>
+          <p:nvPr>
+            <p:ph type="sldImg"/>
+          </p:nvPr>
+        </p:nvSpPr>
+        <p:spPr/>
+      </p:sp>
+      <p:sp>
+        <p:nvSpPr>
+          <p:cNvPr id="3" name="Notes Placeholder 2"/>
+          <p:cNvSpPr>
+            <a:spLocks noGrp="1"/>
+          </p:cNvSpPr>
+          <p:nvPr>
+            <p:ph type="body" idx="1"/>
+          </p:nvPr>
+        </p:nvSpPr>
+        <p:spPr/>
+        <p:txBody>
+          <a:bodyPr/>
+          <a:lstStyle/>
+          <a:p>
+            <a:r>
+              <a:rPr lang="en-US" dirty="0"/>
+              <a:t>TODO: </a:t>
+            </a:r>
+          </a:p>
+          <a:p>
+            <a:r>
+              <a:rPr lang="en-US" dirty="0"/>
+              <a:t>Verify that the hyper parameters listed match the values from final run</a:t>
+            </a:r>
+          </a:p>
+          <a:p>
+            <a:r>
+              <a:rPr lang="en-US" dirty="0"/>
+              <a:t>Adjust the table</a:t>
+            </a:r>
+            <a:endParaRPr lang="en-CA" dirty="0"/>
+          </a:p>
+        </p:txBody>
+      </p:sp>
+      <p:sp>
+        <p:nvSpPr>
+          <p:cNvPr id="4" name="Slide Number Placeholder 3"/>
+          <p:cNvSpPr>
+            <a:spLocks noGrp="1"/>
+          </p:cNvSpPr>
+          <p:nvPr>
+            <p:ph type="sldNum" sz="quarter" idx="5"/>
+          </p:nvPr>
+        </p:nvSpPr>
+        <p:spPr/>
+        <p:txBody>
+          <a:bodyPr/>
+          <a:lstStyle/>
+          <a:p>
+            <a:fld id="{CFED61B6-4A00-4DBB-8E9B-BCC4333A0018}" type="slidenum">
+              <a:rPr lang="en-CA" smtClean="0"/>
+              <a:t>19</a:t>
+            </a:fld>
+            <a:endParaRPr lang="en-CA"/>
+          </a:p>
+        </p:txBody>
+      </p:sp>
+    </p:spTree>
+    <p:extLst>
+      <p:ext uri="{BB962C8B-B14F-4D97-AF65-F5344CB8AC3E}">
+        <p14:creationId xmlns:p14="http://schemas.microsoft.com/office/powerpoint/2010/main" val="3780051876"/>
+      </p:ext>
+    </p:extLst>
+  </p:cSld>
+  <p:clrMapOvr>
+    <a:masterClrMapping/>
+  </p:clrMapOvr>
+</p:notes>
+</file>
+
 <file path=ppt/notesSlides/notesSlide2.xml><?xml version="1.0" encoding="utf-8"?>
 <p:notes xmlns:a="http://schemas.openxmlformats.org/drawingml/2006/main" xmlns:r="http://schemas.openxmlformats.org/officeDocument/2006/relationships" xmlns:p="http://schemas.openxmlformats.org/presentationml/2006/main">
   <p:cSld>
@@ -9618,7 +9719,7 @@
         </p:nvSpPr>
         <p:spPr>
           <a:xfrm flipH="1">
-            <a:off x="229248" y="3696383"/>
+            <a:off x="532583" y="3696383"/>
             <a:ext cx="2574199" cy="923330"/>
           </a:xfrm>
           <a:prstGeom prst="rect">
@@ -9682,7 +9783,7 @@
         </p:nvSpPr>
         <p:spPr>
           <a:xfrm flipH="1">
-            <a:off x="3124113" y="3696383"/>
+            <a:off x="3347135" y="3708534"/>
             <a:ext cx="2574199" cy="923330"/>
           </a:xfrm>
           <a:prstGeom prst="rect">
@@ -9960,6 +10061,46 @@
           </a:prstGeom>
         </p:spPr>
       </p:pic>
+      <p:sp>
+        <p:nvSpPr>
+          <p:cNvPr id="15" name="TextBox 14">
+            <a:extLst>
+              <a:ext uri="{FF2B5EF4-FFF2-40B4-BE49-F238E27FC236}">
+                <a16:creationId xmlns:a16="http://schemas.microsoft.com/office/drawing/2014/main" id="{717EA62E-1A3C-4B15-9134-5FF74506CCDA}"/>
+              </a:ext>
+            </a:extLst>
+          </p:cNvPr>
+          <p:cNvSpPr txBox="1"/>
+          <p:nvPr/>
+        </p:nvSpPr>
+        <p:spPr>
+          <a:xfrm flipH="1">
+            <a:off x="1122265" y="5093115"/>
+            <a:ext cx="6292943" cy="1200329"/>
+          </a:xfrm>
+          <a:prstGeom prst="rect">
+            <a:avLst/>
+          </a:prstGeom>
+          <a:noFill/>
+        </p:spPr>
+        <p:txBody>
+          <a:bodyPr wrap="square" rtlCol="0">
+            <a:spAutoFit/>
+          </a:bodyPr>
+          <a:lstStyle/>
+          <a:p>
+            <a:r>
+              <a:rPr lang="en-US" b="1" u="sng" dirty="0"/>
+              <a:t>NOTE: </a:t>
+            </a:r>
+            <a:r>
+              <a:rPr lang="en-US" dirty="0"/>
+              <a:t>The training and test curves are starting to converge after increasing our sample size and modifying the weight of the samples taken on each class to boost the higher error rate classes.</a:t>
+            </a:r>
+            <a:endParaRPr lang="en-CA" dirty="0"/>
+          </a:p>
+        </p:txBody>
+      </p:sp>
     </p:spTree>
     <p:extLst>
       <p:ext uri="{BB962C8B-B14F-4D97-AF65-F5344CB8AC3E}">
@@ -10115,10 +10256,10 @@
           <a:lstStyle/>
           <a:p>
             <a:r>
-              <a:rPr lang="en-US" dirty="0"/>
+              <a:rPr lang="en-US" b="1" dirty="0"/>
               <a:t>Learning Curves Test/Train Errors</a:t>
             </a:r>
-            <a:endParaRPr lang="en-CA" dirty="0"/>
+            <a:endParaRPr lang="en-CA" b="1" dirty="0"/>
           </a:p>
         </p:txBody>
       </p:sp>
@@ -10136,8 +10277,8 @@
         </p:nvSpPr>
         <p:spPr>
           <a:xfrm flipH="1">
-            <a:off x="7087866" y="6229128"/>
-            <a:ext cx="3897633" cy="369332"/>
+            <a:off x="7087865" y="6229128"/>
+            <a:ext cx="4164334" cy="369332"/>
           </a:xfrm>
           <a:prstGeom prst="rect">
             <a:avLst/>
@@ -10151,10 +10292,10 @@
           <a:lstStyle/>
           <a:p>
             <a:r>
-              <a:rPr lang="en-US" dirty="0"/>
+              <a:rPr lang="en-US" b="1" dirty="0"/>
               <a:t>Cross-Validation Score by Ensemble Size</a:t>
             </a:r>
-            <a:endParaRPr lang="en-CA" dirty="0"/>
+            <a:endParaRPr lang="en-CA" b="1" dirty="0"/>
           </a:p>
         </p:txBody>
       </p:sp>
@@ -10253,10 +10394,10 @@
           <a:lstStyle/>
           <a:p>
             <a:r>
-              <a:rPr lang="en-US" dirty="0"/>
+              <a:rPr lang="en-US" b="1" dirty="0"/>
               <a:t>Learning Curves Test/Train Errors</a:t>
             </a:r>
-            <a:endParaRPr lang="en-CA" dirty="0"/>
+            <a:endParaRPr lang="en-CA" b="1" dirty="0"/>
           </a:p>
         </p:txBody>
       </p:sp>
@@ -10289,10 +10430,10 @@
           <a:lstStyle/>
           <a:p>
             <a:r>
-              <a:rPr lang="en-US" dirty="0"/>
+              <a:rPr lang="en-US" b="1" dirty="0"/>
               <a:t>F1-Score Weighted by Ensemble Size</a:t>
             </a:r>
-            <a:endParaRPr lang="en-CA" dirty="0"/>
+            <a:endParaRPr lang="en-CA" b="1" dirty="0"/>
           </a:p>
         </p:txBody>
       </p:sp>
@@ -10643,19 +10784,28 @@
         </p:nvSpPr>
         <p:spPr>
           <a:xfrm>
-            <a:off x="838200" y="365125"/>
-            <a:ext cx="4064000" cy="1325563"/>
+            <a:off x="177800" y="212323"/>
+            <a:ext cx="4064000" cy="1921277"/>
           </a:xfrm>
         </p:spPr>
         <p:txBody>
-          <a:bodyPr/>
+          <a:bodyPr>
+            <a:normAutofit/>
+          </a:bodyPr>
           <a:lstStyle/>
           <a:p>
             <a:r>
-              <a:rPr lang="en-US" dirty="0"/>
-              <a:t>Summary </a:t>
-            </a:r>
-            <a:endParaRPr lang="en-CA" dirty="0"/>
+              <a:rPr lang="en-US" b="1" dirty="0"/>
+              <a:t>Summary Benchmark </a:t>
+            </a:r>
+            <a:br>
+              <a:rPr lang="en-US" b="1" dirty="0"/>
+            </a:br>
+            <a:r>
+              <a:rPr lang="en-US" b="1" dirty="0"/>
+              <a:t>F1 Scores</a:t>
+            </a:r>
+            <a:endParaRPr lang="en-CA" b="1" dirty="0"/>
           </a:p>
         </p:txBody>
       </p:sp>
@@ -10737,8 +10887,8 @@
         </p:nvSpPr>
         <p:spPr>
           <a:xfrm>
-            <a:off x="838199" y="365125"/>
-            <a:ext cx="6921501" cy="1187228"/>
+            <a:off x="275855" y="160268"/>
+            <a:ext cx="8791945" cy="1187228"/>
           </a:xfrm>
         </p:spPr>
         <p:txBody>
@@ -10748,10 +10898,10 @@
           <a:lstStyle/>
           <a:p>
             <a:r>
-              <a:rPr lang="en-US" dirty="0"/>
-              <a:t>Summary</a:t>
-            </a:r>
-            <a:endParaRPr lang="en-CA" dirty="0"/>
+              <a:rPr lang="en-US" b="1" dirty="0"/>
+              <a:t>Visualization of Benchmark F1 Scores</a:t>
+            </a:r>
+            <a:endParaRPr lang="en-CA" b="1" dirty="0"/>
           </a:p>
         </p:txBody>
       </p:sp>
@@ -10817,10 +10967,10 @@
       </p:grpSpPr>
       <p:sp>
         <p:nvSpPr>
-          <p:cNvPr id="2" name="Title 1">
+          <p:cNvPr id="7" name="Title 1">
             <a:extLst>
               <a:ext uri="{FF2B5EF4-FFF2-40B4-BE49-F238E27FC236}">
-                <a16:creationId xmlns:a16="http://schemas.microsoft.com/office/drawing/2014/main" id="{078EF1BB-AFD2-4159-A52A-3DC689ABE7D4}"/>
+                <a16:creationId xmlns:a16="http://schemas.microsoft.com/office/drawing/2014/main" id="{752C5A0A-D30B-4C6C-82DB-0C2061753A5F}"/>
               </a:ext>
             </a:extLst>
           </p:cNvPr>
@@ -10833,8 +10983,8 @@
         </p:nvSpPr>
         <p:spPr>
           <a:xfrm>
-            <a:off x="838199" y="365125"/>
-            <a:ext cx="6921501" cy="1187228"/>
+            <a:off x="275855" y="160268"/>
+            <a:ext cx="11497045" cy="1187228"/>
           </a:xfrm>
         </p:spPr>
         <p:txBody>
@@ -10844,19 +10994,19 @@
           <a:lstStyle/>
           <a:p>
             <a:r>
-              <a:rPr lang="en-US" dirty="0"/>
-              <a:t>Summary</a:t>
-            </a:r>
-            <a:endParaRPr lang="en-CA" dirty="0"/>
+              <a:rPr lang="en-US" b="1" dirty="0"/>
+              <a:t>Visualization of  F1 Score Variance by Model Type</a:t>
+            </a:r>
+            <a:endParaRPr lang="en-CA" b="1" dirty="0"/>
           </a:p>
         </p:txBody>
       </p:sp>
       <p:pic>
         <p:nvPicPr>
-          <p:cNvPr id="3" name="Picture 2">
+          <p:cNvPr id="8" name="Picture 7">
             <a:extLst>
               <a:ext uri="{FF2B5EF4-FFF2-40B4-BE49-F238E27FC236}">
-                <a16:creationId xmlns:a16="http://schemas.microsoft.com/office/drawing/2014/main" id="{3CF91B7F-6EFC-4A7C-B85C-F7A5F9D5CE45}"/>
+                <a16:creationId xmlns:a16="http://schemas.microsoft.com/office/drawing/2014/main" id="{3E30AA43-74B3-467E-A8F5-DBD3B6E6D231}"/>
               </a:ext>
             </a:extLst>
           </p:cNvPr>
@@ -10873,8 +11023,8 @@
         </p:blipFill>
         <p:spPr>
           <a:xfrm>
-            <a:off x="869712" y="1438053"/>
-            <a:ext cx="10484089" cy="4937347"/>
+            <a:off x="1332541" y="1096670"/>
+            <a:ext cx="9526917" cy="4961230"/>
           </a:xfrm>
           <a:prstGeom prst="rect">
             <a:avLst/>
@@ -10885,6 +11035,586 @@
     <p:extLst>
       <p:ext uri="{BB962C8B-B14F-4D97-AF65-F5344CB8AC3E}">
         <p14:creationId xmlns:p14="http://schemas.microsoft.com/office/powerpoint/2010/main" val="944203888"/>
+      </p:ext>
+    </p:extLst>
+  </p:cSld>
+  <p:clrMapOvr>
+    <a:masterClrMapping/>
+  </p:clrMapOvr>
+</p:sld>
+</file>
+
+<file path=ppt/slides/slide19.xml><?xml version="1.0" encoding="utf-8"?>
+<p:sld xmlns:a="http://schemas.openxmlformats.org/drawingml/2006/main" xmlns:r="http://schemas.openxmlformats.org/officeDocument/2006/relationships" xmlns:p="http://schemas.openxmlformats.org/presentationml/2006/main">
+  <p:cSld>
+    <p:spTree>
+      <p:nvGrpSpPr>
+        <p:cNvPr id="1" name=""/>
+        <p:cNvGrpSpPr/>
+        <p:nvPr/>
+      </p:nvGrpSpPr>
+      <p:grpSpPr>
+        <a:xfrm>
+          <a:off x="0" y="0"/>
+          <a:ext cx="0" cy="0"/>
+          <a:chOff x="0" y="0"/>
+          <a:chExt cx="0" cy="0"/>
+        </a:xfrm>
+      </p:grpSpPr>
+      <p:sp>
+        <p:nvSpPr>
+          <p:cNvPr id="2" name="Title 1">
+            <a:extLst>
+              <a:ext uri="{FF2B5EF4-FFF2-40B4-BE49-F238E27FC236}">
+                <a16:creationId xmlns:a16="http://schemas.microsoft.com/office/drawing/2014/main" id="{078EF1BB-AFD2-4159-A52A-3DC689ABE7D4}"/>
+              </a:ext>
+            </a:extLst>
+          </p:cNvPr>
+          <p:cNvSpPr>
+            <a:spLocks noGrp="1"/>
+          </p:cNvSpPr>
+          <p:nvPr>
+            <p:ph type="title"/>
+          </p:nvPr>
+        </p:nvSpPr>
+        <p:spPr>
+          <a:xfrm>
+            <a:off x="382230" y="309225"/>
+            <a:ext cx="10958870" cy="793134"/>
+          </a:xfrm>
+        </p:spPr>
+        <p:txBody>
+          <a:bodyPr>
+            <a:normAutofit/>
+          </a:bodyPr>
+          <a:lstStyle/>
+          <a:p>
+            <a:r>
+              <a:rPr lang="en-US" sz="4800" b="1" dirty="0"/>
+              <a:t>Model Selection - Final Results</a:t>
+            </a:r>
+            <a:endParaRPr lang="en-CA" sz="4800" b="1" dirty="0"/>
+          </a:p>
+        </p:txBody>
+      </p:sp>
+      <p:graphicFrame>
+        <p:nvGraphicFramePr>
+          <p:cNvPr id="8" name="Table 9">
+            <a:extLst>
+              <a:ext uri="{FF2B5EF4-FFF2-40B4-BE49-F238E27FC236}">
+                <a16:creationId xmlns:a16="http://schemas.microsoft.com/office/drawing/2014/main" id="{7D490F3C-9CBD-4ABD-A4DC-A898F3C3BDEE}"/>
+              </a:ext>
+            </a:extLst>
+          </p:cNvPr>
+          <p:cNvGraphicFramePr>
+            <a:graphicFrameLocks noGrp="1"/>
+          </p:cNvGraphicFramePr>
+          <p:nvPr>
+            <p:extLst>
+              <p:ext uri="{D42A27DB-BD31-4B8C-83A1-F6EECF244321}">
+                <p14:modId xmlns:p14="http://schemas.microsoft.com/office/powerpoint/2010/main" val="3439025274"/>
+              </p:ext>
+            </p:extLst>
+          </p:nvPr>
+        </p:nvGraphicFramePr>
+        <p:xfrm>
+          <a:off x="1892915" y="1173480"/>
+          <a:ext cx="8406170" cy="4511040"/>
+        </p:xfrm>
+        <a:graphic>
+          <a:graphicData uri="http://schemas.openxmlformats.org/drawingml/2006/table">
+            <a:tbl>
+              <a:tblPr firstRow="1" bandRow="1">
+                <a:tableStyleId>{5C22544A-7EE6-4342-B048-85BDC9FD1C3A}</a:tableStyleId>
+              </a:tblPr>
+              <a:tblGrid>
+                <a:gridCol w="3367800">
+                  <a:extLst>
+                    <a:ext uri="{9D8B030D-6E8A-4147-A177-3AD203B41FA5}">
+                      <a16:colId xmlns:a16="http://schemas.microsoft.com/office/drawing/2014/main" val="106972814"/>
+                    </a:ext>
+                  </a:extLst>
+                </a:gridCol>
+                <a:gridCol w="5038370">
+                  <a:extLst>
+                    <a:ext uri="{9D8B030D-6E8A-4147-A177-3AD203B41FA5}">
+                      <a16:colId xmlns:a16="http://schemas.microsoft.com/office/drawing/2014/main" val="2409299959"/>
+                    </a:ext>
+                  </a:extLst>
+                </a:gridCol>
+              </a:tblGrid>
+              <a:tr h="121104">
+                <a:tc gridSpan="2">
+                  <a:txBody>
+                    <a:bodyPr/>
+                    <a:lstStyle/>
+                    <a:p>
+                      <a:pPr marL="0" marR="0" lvl="0" indent="0" algn="l" defTabSz="914400" rtl="0" eaLnBrk="1" fontAlgn="auto" latinLnBrk="0" hangingPunct="1">
+                        <a:lnSpc>
+                          <a:spcPct val="100000"/>
+                        </a:lnSpc>
+                        <a:spcBef>
+                          <a:spcPts val="0"/>
+                        </a:spcBef>
+                        <a:spcAft>
+                          <a:spcPts val="0"/>
+                        </a:spcAft>
+                        <a:buClrTx/>
+                        <a:buSzTx/>
+                        <a:buFontTx/>
+                        <a:buNone/>
+                        <a:tabLst/>
+                        <a:defRPr/>
+                      </a:pPr>
+                      <a:r>
+                        <a:rPr lang="en-US" sz="2000" dirty="0"/>
+                        <a:t>Best results were produced from the following: </a:t>
+                      </a:r>
+                    </a:p>
+                  </a:txBody>
+                  <a:tcPr/>
+                </a:tc>
+                <a:tc hMerge="1">
+                  <a:txBody>
+                    <a:bodyPr/>
+                    <a:lstStyle/>
+                    <a:p>
+                      <a:endParaRPr lang="en-CA" dirty="0"/>
+                    </a:p>
+                  </a:txBody>
+                  <a:tcPr/>
+                </a:tc>
+                <a:extLst>
+                  <a:ext uri="{0D108BD9-81ED-4DB2-BD59-A6C34878D82A}">
+                    <a16:rowId xmlns:a16="http://schemas.microsoft.com/office/drawing/2014/main" val="674261869"/>
+                  </a:ext>
+                </a:extLst>
+              </a:tr>
+              <a:tr h="124168">
+                <a:tc>
+                  <a:txBody>
+                    <a:bodyPr/>
+                    <a:lstStyle/>
+                    <a:p>
+                      <a:pPr marL="0" marR="0" lvl="0" indent="0" algn="l" defTabSz="914400" rtl="0" eaLnBrk="1" fontAlgn="auto" latinLnBrk="0" hangingPunct="1">
+                        <a:lnSpc>
+                          <a:spcPct val="100000"/>
+                        </a:lnSpc>
+                        <a:spcBef>
+                          <a:spcPts val="0"/>
+                        </a:spcBef>
+                        <a:spcAft>
+                          <a:spcPts val="0"/>
+                        </a:spcAft>
+                        <a:buClrTx/>
+                        <a:buSzTx/>
+                        <a:buFontTx/>
+                        <a:buNone/>
+                        <a:tabLst/>
+                        <a:defRPr/>
+                      </a:pPr>
+                      <a:r>
+                        <a:rPr lang="en-US" sz="2400" b="1" dirty="0"/>
+                        <a:t>Extracted Feature</a:t>
+                      </a:r>
+                    </a:p>
+                  </a:txBody>
+                  <a:tcPr/>
+                </a:tc>
+                <a:tc>
+                  <a:txBody>
+                    <a:bodyPr/>
+                    <a:lstStyle/>
+                    <a:p>
+                      <a:pPr marL="0" marR="0" lvl="0" indent="0" algn="l" defTabSz="914400" rtl="0" eaLnBrk="1" fontAlgn="auto" latinLnBrk="0" hangingPunct="1">
+                        <a:lnSpc>
+                          <a:spcPct val="100000"/>
+                        </a:lnSpc>
+                        <a:spcBef>
+                          <a:spcPts val="0"/>
+                        </a:spcBef>
+                        <a:spcAft>
+                          <a:spcPts val="0"/>
+                        </a:spcAft>
+                        <a:buClrTx/>
+                        <a:buSzTx/>
+                        <a:buFontTx/>
+                        <a:buNone/>
+                        <a:tabLst/>
+                        <a:defRPr/>
+                      </a:pPr>
+                      <a:r>
+                        <a:rPr lang="en-US" sz="2400" dirty="0"/>
+                        <a:t>Bag of Words</a:t>
+                      </a:r>
+                    </a:p>
+                  </a:txBody>
+                  <a:tcPr/>
+                </a:tc>
+                <a:extLst>
+                  <a:ext uri="{0D108BD9-81ED-4DB2-BD59-A6C34878D82A}">
+                    <a16:rowId xmlns:a16="http://schemas.microsoft.com/office/drawing/2014/main" val="1496305950"/>
+                  </a:ext>
+                </a:extLst>
+              </a:tr>
+              <a:tr h="124168">
+                <a:tc>
+                  <a:txBody>
+                    <a:bodyPr/>
+                    <a:lstStyle/>
+                    <a:p>
+                      <a:pPr marL="0" marR="0" lvl="0" indent="0" algn="l" defTabSz="914400" rtl="0" eaLnBrk="1" fontAlgn="auto" latinLnBrk="0" hangingPunct="1">
+                        <a:lnSpc>
+                          <a:spcPct val="100000"/>
+                        </a:lnSpc>
+                        <a:spcBef>
+                          <a:spcPts val="0"/>
+                        </a:spcBef>
+                        <a:spcAft>
+                          <a:spcPts val="0"/>
+                        </a:spcAft>
+                        <a:buClrTx/>
+                        <a:buSzTx/>
+                        <a:buFontTx/>
+                        <a:buNone/>
+                        <a:tabLst/>
+                        <a:defRPr/>
+                      </a:pPr>
+                      <a:r>
+                        <a:rPr lang="en-US" sz="2400" b="1" dirty="0"/>
+                        <a:t>Model</a:t>
+                      </a:r>
+                    </a:p>
+                  </a:txBody>
+                  <a:tcPr/>
+                </a:tc>
+                <a:tc>
+                  <a:txBody>
+                    <a:bodyPr/>
+                    <a:lstStyle/>
+                    <a:p>
+                      <a:pPr marL="0" marR="0" lvl="0" indent="0" algn="l" defTabSz="914400" rtl="0" eaLnBrk="1" fontAlgn="auto" latinLnBrk="0" hangingPunct="1">
+                        <a:lnSpc>
+                          <a:spcPct val="100000"/>
+                        </a:lnSpc>
+                        <a:spcBef>
+                          <a:spcPts val="0"/>
+                        </a:spcBef>
+                        <a:spcAft>
+                          <a:spcPts val="0"/>
+                        </a:spcAft>
+                        <a:buClrTx/>
+                        <a:buSzTx/>
+                        <a:buFontTx/>
+                        <a:buNone/>
+                        <a:tabLst/>
+                        <a:defRPr/>
+                      </a:pPr>
+                      <a:r>
+                        <a:rPr lang="en-US" sz="2400" dirty="0"/>
+                        <a:t>Multinomial Naïve Bayes</a:t>
+                      </a:r>
+                    </a:p>
+                  </a:txBody>
+                  <a:tcPr/>
+                </a:tc>
+                <a:extLst>
+                  <a:ext uri="{0D108BD9-81ED-4DB2-BD59-A6C34878D82A}">
+                    <a16:rowId xmlns:a16="http://schemas.microsoft.com/office/drawing/2014/main" val="3264955142"/>
+                  </a:ext>
+                </a:extLst>
+              </a:tr>
+              <a:tr h="211932">
+                <a:tc>
+                  <a:txBody>
+                    <a:bodyPr/>
+                    <a:lstStyle/>
+                    <a:p>
+                      <a:pPr marL="0" marR="0" lvl="0" indent="0" algn="l" defTabSz="914400" rtl="0" eaLnBrk="1" fontAlgn="auto" latinLnBrk="0" hangingPunct="1">
+                        <a:lnSpc>
+                          <a:spcPct val="100000"/>
+                        </a:lnSpc>
+                        <a:spcBef>
+                          <a:spcPts val="0"/>
+                        </a:spcBef>
+                        <a:spcAft>
+                          <a:spcPts val="0"/>
+                        </a:spcAft>
+                        <a:buClrTx/>
+                        <a:buSzTx/>
+                        <a:buFontTx/>
+                        <a:buNone/>
+                        <a:tabLst/>
+                        <a:defRPr/>
+                      </a:pPr>
+                      <a:r>
+                        <a:rPr lang="en-US" sz="2400" b="1" dirty="0"/>
+                        <a:t>Feature Selection Method</a:t>
+                      </a:r>
+                    </a:p>
+                  </a:txBody>
+                  <a:tcPr/>
+                </a:tc>
+                <a:tc>
+                  <a:txBody>
+                    <a:bodyPr/>
+                    <a:lstStyle/>
+                    <a:p>
+                      <a:pPr marL="0" marR="0" lvl="0" indent="0" algn="l" defTabSz="914400" rtl="0" eaLnBrk="1" fontAlgn="auto" latinLnBrk="0" hangingPunct="1">
+                        <a:lnSpc>
+                          <a:spcPct val="100000"/>
+                        </a:lnSpc>
+                        <a:spcBef>
+                          <a:spcPts val="0"/>
+                        </a:spcBef>
+                        <a:spcAft>
+                          <a:spcPts val="0"/>
+                        </a:spcAft>
+                        <a:buClrTx/>
+                        <a:buSzTx/>
+                        <a:buFontTx/>
+                        <a:buNone/>
+                        <a:tabLst/>
+                        <a:defRPr/>
+                      </a:pPr>
+                      <a:r>
+                        <a:rPr lang="en-US" sz="2400" dirty="0"/>
+                        <a:t>Univariate chi</a:t>
+                      </a:r>
+                      <a:r>
+                        <a:rPr lang="en-US" sz="2400" baseline="30000" dirty="0"/>
+                        <a:t>2 </a:t>
+                      </a:r>
+                    </a:p>
+                  </a:txBody>
+                  <a:tcPr/>
+                </a:tc>
+                <a:extLst>
+                  <a:ext uri="{0D108BD9-81ED-4DB2-BD59-A6C34878D82A}">
+                    <a16:rowId xmlns:a16="http://schemas.microsoft.com/office/drawing/2014/main" val="1177795280"/>
+                  </a:ext>
+                </a:extLst>
+              </a:tr>
+              <a:tr h="211932">
+                <a:tc>
+                  <a:txBody>
+                    <a:bodyPr/>
+                    <a:lstStyle/>
+                    <a:p>
+                      <a:pPr marL="0" marR="0" lvl="0" indent="0" algn="l" defTabSz="914400" rtl="0" eaLnBrk="1" fontAlgn="auto" latinLnBrk="0" hangingPunct="1">
+                        <a:lnSpc>
+                          <a:spcPct val="100000"/>
+                        </a:lnSpc>
+                        <a:spcBef>
+                          <a:spcPts val="0"/>
+                        </a:spcBef>
+                        <a:spcAft>
+                          <a:spcPts val="0"/>
+                        </a:spcAft>
+                        <a:buClrTx/>
+                        <a:buSzTx/>
+                        <a:buFontTx/>
+                        <a:buNone/>
+                        <a:tabLst/>
+                        <a:defRPr/>
+                      </a:pPr>
+                      <a:r>
+                        <a:rPr lang="en-US" sz="2400" b="1" dirty="0"/>
+                        <a:t>Hyperparameter Tuning</a:t>
+                      </a:r>
+                    </a:p>
+                  </a:txBody>
+                  <a:tcPr/>
+                </a:tc>
+                <a:tc>
+                  <a:txBody>
+                    <a:bodyPr/>
+                    <a:lstStyle/>
+                    <a:p>
+                      <a:pPr marL="0" marR="0" lvl="0" indent="0" algn="l" defTabSz="914400" rtl="0" eaLnBrk="1" fontAlgn="auto" latinLnBrk="0" hangingPunct="1">
+                        <a:lnSpc>
+                          <a:spcPct val="100000"/>
+                        </a:lnSpc>
+                        <a:spcBef>
+                          <a:spcPts val="0"/>
+                        </a:spcBef>
+                        <a:spcAft>
+                          <a:spcPts val="0"/>
+                        </a:spcAft>
+                        <a:buClrTx/>
+                        <a:buSzTx/>
+                        <a:buFontTx/>
+                        <a:buNone/>
+                        <a:tabLst/>
+                        <a:defRPr/>
+                      </a:pPr>
+                      <a:r>
+                        <a:rPr lang="en-US" sz="2400" dirty="0"/>
+                        <a:t>Optimized Hyperparameters Using </a:t>
+                      </a:r>
+                      <a:r>
+                        <a:rPr lang="en-US" sz="2400" dirty="0" err="1"/>
+                        <a:t>GridSearchCV</a:t>
+                      </a:r>
+                      <a:r>
+                        <a:rPr lang="en-US" sz="2400" dirty="0"/>
+                        <a:t>: </a:t>
+                      </a:r>
+                    </a:p>
+                    <a:p>
+                      <a:pPr marL="285750" marR="0" lvl="0" indent="-285750" algn="l" defTabSz="914400" rtl="0" eaLnBrk="1" fontAlgn="auto" latinLnBrk="0" hangingPunct="1">
+                        <a:lnSpc>
+                          <a:spcPct val="100000"/>
+                        </a:lnSpc>
+                        <a:spcBef>
+                          <a:spcPts val="0"/>
+                        </a:spcBef>
+                        <a:spcAft>
+                          <a:spcPts val="0"/>
+                        </a:spcAft>
+                        <a:buClrTx/>
+                        <a:buSzTx/>
+                        <a:buFont typeface="Arial" panose="020B0604020202020204" pitchFamily="34" charset="0"/>
+                        <a:buChar char="•"/>
+                        <a:tabLst/>
+                        <a:defRPr/>
+                      </a:pPr>
+                      <a:r>
+                        <a:rPr lang="en-US" sz="2400" dirty="0"/>
+                        <a:t>Alpha = 0.42</a:t>
+                      </a:r>
+                    </a:p>
+                    <a:p>
+                      <a:pPr marL="285750" marR="0" lvl="0" indent="-285750" algn="l" defTabSz="914400" rtl="0" eaLnBrk="1" fontAlgn="auto" latinLnBrk="0" hangingPunct="1">
+                        <a:lnSpc>
+                          <a:spcPct val="100000"/>
+                        </a:lnSpc>
+                        <a:spcBef>
+                          <a:spcPts val="0"/>
+                        </a:spcBef>
+                        <a:spcAft>
+                          <a:spcPts val="0"/>
+                        </a:spcAft>
+                        <a:buClrTx/>
+                        <a:buSzTx/>
+                        <a:buFont typeface="Arial" panose="020B0604020202020204" pitchFamily="34" charset="0"/>
+                        <a:buChar char="•"/>
+                        <a:tabLst/>
+                        <a:defRPr/>
+                      </a:pPr>
+                      <a:r>
+                        <a:rPr lang="en-US" sz="2400" dirty="0" err="1"/>
+                        <a:t>Fit_prior</a:t>
+                      </a:r>
+                      <a:r>
+                        <a:rPr lang="en-US" sz="2400" dirty="0"/>
+                        <a:t> = True</a:t>
+                      </a:r>
+                    </a:p>
+                    <a:p>
+                      <a:pPr marL="0" marR="0" lvl="0" indent="0" algn="l" defTabSz="914400" rtl="0" eaLnBrk="1" fontAlgn="auto" latinLnBrk="0" hangingPunct="1">
+                        <a:lnSpc>
+                          <a:spcPct val="100000"/>
+                        </a:lnSpc>
+                        <a:spcBef>
+                          <a:spcPts val="0"/>
+                        </a:spcBef>
+                        <a:spcAft>
+                          <a:spcPts val="0"/>
+                        </a:spcAft>
+                        <a:buClrTx/>
+                        <a:buSzTx/>
+                        <a:buFontTx/>
+                        <a:buNone/>
+                        <a:tabLst/>
+                        <a:defRPr/>
+                      </a:pPr>
+                      <a:endParaRPr lang="en-US" sz="2400" dirty="0"/>
+                    </a:p>
+                  </a:txBody>
+                  <a:tcPr/>
+                </a:tc>
+                <a:extLst>
+                  <a:ext uri="{0D108BD9-81ED-4DB2-BD59-A6C34878D82A}">
+                    <a16:rowId xmlns:a16="http://schemas.microsoft.com/office/drawing/2014/main" val="1376821390"/>
+                  </a:ext>
+                </a:extLst>
+              </a:tr>
+              <a:tr h="211932">
+                <a:tc>
+                  <a:txBody>
+                    <a:bodyPr/>
+                    <a:lstStyle/>
+                    <a:p>
+                      <a:pPr marL="0" marR="0" lvl="0" indent="0" algn="l" defTabSz="914400" rtl="0" eaLnBrk="1" fontAlgn="auto" latinLnBrk="0" hangingPunct="1">
+                        <a:lnSpc>
+                          <a:spcPct val="100000"/>
+                        </a:lnSpc>
+                        <a:spcBef>
+                          <a:spcPts val="0"/>
+                        </a:spcBef>
+                        <a:spcAft>
+                          <a:spcPts val="0"/>
+                        </a:spcAft>
+                        <a:buClrTx/>
+                        <a:buSzTx/>
+                        <a:buFontTx/>
+                        <a:buNone/>
+                        <a:tabLst/>
+                        <a:defRPr/>
+                      </a:pPr>
+                      <a:r>
+                        <a:rPr lang="en-US" sz="2400" b="1" dirty="0"/>
+                        <a:t>F1 Score</a:t>
+                      </a:r>
+                    </a:p>
+                  </a:txBody>
+                  <a:tcPr/>
+                </a:tc>
+                <a:tc>
+                  <a:txBody>
+                    <a:bodyPr/>
+                    <a:lstStyle/>
+                    <a:p>
+                      <a:pPr marL="0" marR="0" lvl="0" indent="0" algn="l" defTabSz="914400" rtl="0" eaLnBrk="1" fontAlgn="auto" latinLnBrk="0" hangingPunct="1">
+                        <a:lnSpc>
+                          <a:spcPct val="100000"/>
+                        </a:lnSpc>
+                        <a:spcBef>
+                          <a:spcPts val="0"/>
+                        </a:spcBef>
+                        <a:spcAft>
+                          <a:spcPts val="0"/>
+                        </a:spcAft>
+                        <a:buClrTx/>
+                        <a:buSzTx/>
+                        <a:buFontTx/>
+                        <a:buNone/>
+                        <a:tabLst/>
+                        <a:defRPr/>
+                      </a:pPr>
+                      <a:r>
+                        <a:rPr lang="en-US" sz="2400" dirty="0"/>
+                        <a:t>0.7466944</a:t>
+                      </a:r>
+                    </a:p>
+                  </a:txBody>
+                  <a:tcPr/>
+                </a:tc>
+                <a:extLst>
+                  <a:ext uri="{0D108BD9-81ED-4DB2-BD59-A6C34878D82A}">
+                    <a16:rowId xmlns:a16="http://schemas.microsoft.com/office/drawing/2014/main" val="3302644657"/>
+                  </a:ext>
+                </a:extLst>
+              </a:tr>
+            </a:tbl>
+          </a:graphicData>
+        </a:graphic>
+      </p:graphicFrame>
+    </p:spTree>
+    <p:extLst>
+      <p:ext uri="{BB962C8B-B14F-4D97-AF65-F5344CB8AC3E}">
+        <p14:creationId xmlns:p14="http://schemas.microsoft.com/office/powerpoint/2010/main" val="1819989284"/>
       </p:ext>
     </p:extLst>
   </p:cSld>
@@ -12367,10 +13097,10 @@
           <a:lstStyle/>
           <a:p>
             <a:r>
-              <a:rPr lang="en-US" dirty="0"/>
+              <a:rPr lang="en-US" b="1" dirty="0"/>
               <a:t>Modeling, Model Evaluation &amp; Tuning</a:t>
             </a:r>
-            <a:endParaRPr lang="en-US" kern="1200" dirty="0">
+            <a:endParaRPr lang="en-US" b="1" kern="1200" dirty="0">
               <a:solidFill>
                 <a:schemeClr val="tx1"/>
               </a:solidFill>
@@ -13146,10 +13876,10 @@
           <a:lstStyle/>
           <a:p>
             <a:r>
-              <a:rPr lang="en-US" dirty="0"/>
-              <a:t>Bag of Words</a:t>
-            </a:r>
-            <a:endParaRPr lang="en-CA" dirty="0"/>
+              <a:rPr lang="en-US" b="1" dirty="0"/>
+              <a:t>1. Models Benchmark - Bag of Words</a:t>
+            </a:r>
+            <a:endParaRPr lang="en-CA" b="1" dirty="0"/>
           </a:p>
         </p:txBody>
       </p:sp>

--- a/CSML1010_Group3_Project_Milestone02.pptx
+++ b/CSML1010_Group3_Project_Milestone02.pptx
@@ -5,7 +5,7 @@
     <p:sldMasterId id="2147483648" r:id="rId1"/>
   </p:sldMasterIdLst>
   <p:notesMasterIdLst>
-    <p:notesMasterId r:id="rId21"/>
+    <p:notesMasterId r:id="rId22"/>
   </p:notesMasterIdLst>
   <p:sldIdLst>
     <p:sldId id="257" r:id="rId2"/>
@@ -26,7 +26,8 @@
     <p:sldId id="309" r:id="rId17"/>
     <p:sldId id="305" r:id="rId18"/>
     <p:sldId id="308" r:id="rId19"/>
-    <p:sldId id="296" r:id="rId20"/>
+    <p:sldId id="311" r:id="rId20"/>
+    <p:sldId id="296" r:id="rId21"/>
   </p:sldIdLst>
   <p:sldSz cx="12192000" cy="6858000"/>
   <p:notesSz cx="6858000" cy="9144000"/>
@@ -3583,7 +3584,7 @@
           <a:p>
             <a:fld id="{E6317E0B-A3D3-495C-A4A5-504BD0130225}" type="datetimeFigureOut">
               <a:rPr lang="en-CA" smtClean="0"/>
-              <a:t>2020-04-30</a:t>
+              <a:t>2020-05-01</a:t>
             </a:fld>
             <a:endParaRPr lang="en-CA"/>
           </a:p>
@@ -4712,7 +4713,7 @@
           <a:p>
             <a:fld id="{CFED61B6-4A00-4DBB-8E9B-BCC4333A0018}" type="slidenum">
               <a:rPr lang="en-CA" smtClean="0"/>
-              <a:t>19</a:t>
+              <a:t>20</a:t>
             </a:fld>
             <a:endParaRPr lang="en-CA"/>
           </a:p>
@@ -5574,7 +5575,7 @@
           <a:p>
             <a:fld id="{41214EFD-F6C2-4FF2-A372-B412D13DB261}" type="datetimeFigureOut">
               <a:rPr lang="en-CA" smtClean="0"/>
-              <a:t>2020-04-30</a:t>
+              <a:t>2020-05-01</a:t>
             </a:fld>
             <a:endParaRPr lang="en-CA"/>
           </a:p>
@@ -5774,7 +5775,7 @@
           <a:p>
             <a:fld id="{41214EFD-F6C2-4FF2-A372-B412D13DB261}" type="datetimeFigureOut">
               <a:rPr lang="en-CA" smtClean="0"/>
-              <a:t>2020-04-30</a:t>
+              <a:t>2020-05-01</a:t>
             </a:fld>
             <a:endParaRPr lang="en-CA"/>
           </a:p>
@@ -5984,7 +5985,7 @@
           <a:p>
             <a:fld id="{41214EFD-F6C2-4FF2-A372-B412D13DB261}" type="datetimeFigureOut">
               <a:rPr lang="en-CA" smtClean="0"/>
-              <a:t>2020-04-30</a:t>
+              <a:t>2020-05-01</a:t>
             </a:fld>
             <a:endParaRPr lang="en-CA"/>
           </a:p>
@@ -6184,7 +6185,7 @@
           <a:p>
             <a:fld id="{41214EFD-F6C2-4FF2-A372-B412D13DB261}" type="datetimeFigureOut">
               <a:rPr lang="en-CA" smtClean="0"/>
-              <a:t>2020-04-30</a:t>
+              <a:t>2020-05-01</a:t>
             </a:fld>
             <a:endParaRPr lang="en-CA"/>
           </a:p>
@@ -6460,7 +6461,7 @@
           <a:p>
             <a:fld id="{41214EFD-F6C2-4FF2-A372-B412D13DB261}" type="datetimeFigureOut">
               <a:rPr lang="en-CA" smtClean="0"/>
-              <a:t>2020-04-30</a:t>
+              <a:t>2020-05-01</a:t>
             </a:fld>
             <a:endParaRPr lang="en-CA"/>
           </a:p>
@@ -6728,7 +6729,7 @@
           <a:p>
             <a:fld id="{41214EFD-F6C2-4FF2-A372-B412D13DB261}" type="datetimeFigureOut">
               <a:rPr lang="en-CA" smtClean="0"/>
-              <a:t>2020-04-30</a:t>
+              <a:t>2020-05-01</a:t>
             </a:fld>
             <a:endParaRPr lang="en-CA"/>
           </a:p>
@@ -7143,7 +7144,7 @@
           <a:p>
             <a:fld id="{41214EFD-F6C2-4FF2-A372-B412D13DB261}" type="datetimeFigureOut">
               <a:rPr lang="en-CA" smtClean="0"/>
-              <a:t>2020-04-30</a:t>
+              <a:t>2020-05-01</a:t>
             </a:fld>
             <a:endParaRPr lang="en-CA"/>
           </a:p>
@@ -7285,7 +7286,7 @@
           <a:p>
             <a:fld id="{41214EFD-F6C2-4FF2-A372-B412D13DB261}" type="datetimeFigureOut">
               <a:rPr lang="en-CA" smtClean="0"/>
-              <a:t>2020-04-30</a:t>
+              <a:t>2020-05-01</a:t>
             </a:fld>
             <a:endParaRPr lang="en-CA"/>
           </a:p>
@@ -7398,7 +7399,7 @@
           <a:p>
             <a:fld id="{41214EFD-F6C2-4FF2-A372-B412D13DB261}" type="datetimeFigureOut">
               <a:rPr lang="en-CA" smtClean="0"/>
-              <a:t>2020-04-30</a:t>
+              <a:t>2020-05-01</a:t>
             </a:fld>
             <a:endParaRPr lang="en-CA"/>
           </a:p>
@@ -7711,7 +7712,7 @@
           <a:p>
             <a:fld id="{41214EFD-F6C2-4FF2-A372-B412D13DB261}" type="datetimeFigureOut">
               <a:rPr lang="en-CA" smtClean="0"/>
-              <a:t>2020-04-30</a:t>
+              <a:t>2020-05-01</a:t>
             </a:fld>
             <a:endParaRPr lang="en-CA"/>
           </a:p>
@@ -8000,7 +8001,7 @@
           <a:p>
             <a:fld id="{41214EFD-F6C2-4FF2-A372-B412D13DB261}" type="datetimeFigureOut">
               <a:rPr lang="en-CA" smtClean="0"/>
-              <a:t>2020-04-30</a:t>
+              <a:t>2020-05-01</a:t>
             </a:fld>
             <a:endParaRPr lang="en-CA"/>
           </a:p>
@@ -8243,7 +8244,7 @@
           <a:p>
             <a:fld id="{41214EFD-F6C2-4FF2-A372-B412D13DB261}" type="datetimeFigureOut">
               <a:rPr lang="en-CA" smtClean="0"/>
-              <a:t>2020-04-30</a:t>
+              <a:t>2020-05-01</a:t>
             </a:fld>
             <a:endParaRPr lang="en-CA"/>
           </a:p>
@@ -9139,10 +9140,10 @@
       </p:sp>
       <p:pic>
         <p:nvPicPr>
-          <p:cNvPr id="7" name="Picture 6">
+          <p:cNvPr id="9" name="Picture 8">
             <a:extLst>
               <a:ext uri="{FF2B5EF4-FFF2-40B4-BE49-F238E27FC236}">
-                <a16:creationId xmlns:a16="http://schemas.microsoft.com/office/drawing/2014/main" id="{E30BDD33-EEC1-4EA1-ABDC-E22E0578E2E6}"/>
+                <a16:creationId xmlns:a16="http://schemas.microsoft.com/office/drawing/2014/main" id="{EE2DB51A-C5FA-4A77-A1DA-657607C4E484}"/>
               </a:ext>
             </a:extLst>
           </p:cNvPr>
@@ -9159,8 +9160,8 @@
         </p:blipFill>
         <p:spPr>
           <a:xfrm>
-            <a:off x="5533252" y="1400440"/>
-            <a:ext cx="6492171" cy="3873348"/>
+            <a:off x="166577" y="1552353"/>
+            <a:ext cx="3910123" cy="2546127"/>
           </a:xfrm>
           <a:prstGeom prst="rect">
             <a:avLst/>
@@ -9179,10 +9180,10 @@
       </p:pic>
       <p:pic>
         <p:nvPicPr>
-          <p:cNvPr id="9" name="Picture 8">
+          <p:cNvPr id="3" name="Picture 2">
             <a:extLst>
               <a:ext uri="{FF2B5EF4-FFF2-40B4-BE49-F238E27FC236}">
-                <a16:creationId xmlns:a16="http://schemas.microsoft.com/office/drawing/2014/main" id="{EE2DB51A-C5FA-4A77-A1DA-657607C4E484}"/>
+                <a16:creationId xmlns:a16="http://schemas.microsoft.com/office/drawing/2014/main" id="{C5D7438A-7CA2-471E-81EF-38A3137A6E88}"/>
               </a:ext>
             </a:extLst>
           </p:cNvPr>
@@ -9199,8 +9200,8 @@
         </p:blipFill>
         <p:spPr>
           <a:xfrm>
-            <a:off x="387093" y="1400440"/>
-            <a:ext cx="4746560" cy="3090784"/>
+            <a:off x="4402036" y="1552352"/>
+            <a:ext cx="7549580" cy="3067273"/>
           </a:xfrm>
           <a:prstGeom prst="rect">
             <a:avLst/>
@@ -9283,12 +9284,248 @@
           </a:p>
         </p:txBody>
       </p:sp>
+      <p:sp>
+        <p:nvSpPr>
+          <p:cNvPr id="21" name="TextBox 20">
+            <a:extLst>
+              <a:ext uri="{FF2B5EF4-FFF2-40B4-BE49-F238E27FC236}">
+                <a16:creationId xmlns:a16="http://schemas.microsoft.com/office/drawing/2014/main" id="{CC1A33E8-496E-43A3-96EC-2032DF7B3F75}"/>
+              </a:ext>
+            </a:extLst>
+          </p:cNvPr>
+          <p:cNvSpPr txBox="1"/>
+          <p:nvPr/>
+        </p:nvSpPr>
+        <p:spPr>
+          <a:xfrm flipH="1">
+            <a:off x="678139" y="3698425"/>
+            <a:ext cx="2574199" cy="923330"/>
+          </a:xfrm>
+          <a:prstGeom prst="rect">
+            <a:avLst/>
+          </a:prstGeom>
+          <a:noFill/>
+        </p:spPr>
+        <p:txBody>
+          <a:bodyPr wrap="square" rtlCol="0">
+            <a:spAutoFit/>
+          </a:bodyPr>
+          <a:lstStyle/>
+          <a:p>
+            <a:r>
+              <a:rPr lang="en-US" b="1" dirty="0"/>
+              <a:t>Random Forest </a:t>
+            </a:r>
+            <a:r>
+              <a:rPr lang="en-US" b="1" dirty="0" err="1"/>
+              <a:t>Classifer</a:t>
+            </a:r>
+            <a:r>
+              <a:rPr lang="en-US" b="1" dirty="0"/>
+              <a:t>:</a:t>
+            </a:r>
+          </a:p>
+          <a:p>
+            <a:pPr marL="285750" indent="-285750">
+              <a:buFont typeface="Arial" panose="020B0604020202020204" pitchFamily="34" charset="0"/>
+              <a:buChar char="•"/>
+            </a:pPr>
+            <a:r>
+              <a:rPr lang="en-US" dirty="0"/>
+              <a:t>High Bias </a:t>
+            </a:r>
+          </a:p>
+          <a:p>
+            <a:pPr marL="285750" indent="-285750">
+              <a:buFont typeface="Arial" panose="020B0604020202020204" pitchFamily="34" charset="0"/>
+              <a:buChar char="•"/>
+            </a:pPr>
+            <a:r>
+              <a:rPr lang="en-US" dirty="0"/>
+              <a:t>Low Variance</a:t>
+            </a:r>
+            <a:endParaRPr lang="en-CA" dirty="0"/>
+          </a:p>
+        </p:txBody>
+      </p:sp>
+      <p:sp>
+        <p:nvSpPr>
+          <p:cNvPr id="23" name="TextBox 22">
+            <a:extLst>
+              <a:ext uri="{FF2B5EF4-FFF2-40B4-BE49-F238E27FC236}">
+                <a16:creationId xmlns:a16="http://schemas.microsoft.com/office/drawing/2014/main" id="{22072420-D39E-43BC-A63E-072B174B0F72}"/>
+              </a:ext>
+            </a:extLst>
+          </p:cNvPr>
+          <p:cNvSpPr txBox="1"/>
+          <p:nvPr/>
+        </p:nvSpPr>
+        <p:spPr>
+          <a:xfrm flipH="1">
+            <a:off x="3555759" y="3698425"/>
+            <a:ext cx="2236820" cy="923330"/>
+          </a:xfrm>
+          <a:prstGeom prst="rect">
+            <a:avLst/>
+          </a:prstGeom>
+          <a:noFill/>
+        </p:spPr>
+        <p:txBody>
+          <a:bodyPr wrap="square" rtlCol="0">
+            <a:spAutoFit/>
+          </a:bodyPr>
+          <a:lstStyle/>
+          <a:p>
+            <a:r>
+              <a:rPr lang="en-US" b="1" dirty="0"/>
+              <a:t>Linear SVC:</a:t>
+            </a:r>
+          </a:p>
+          <a:p>
+            <a:pPr marL="285750" indent="-285750">
+              <a:buFont typeface="Arial" panose="020B0604020202020204" pitchFamily="34" charset="0"/>
+              <a:buChar char="•"/>
+            </a:pPr>
+            <a:r>
+              <a:rPr lang="en-US" dirty="0"/>
+              <a:t>Low Bias </a:t>
+            </a:r>
+          </a:p>
+          <a:p>
+            <a:pPr marL="285750" indent="-285750">
+              <a:buFont typeface="Arial" panose="020B0604020202020204" pitchFamily="34" charset="0"/>
+              <a:buChar char="•"/>
+            </a:pPr>
+            <a:r>
+              <a:rPr lang="en-US" dirty="0"/>
+              <a:t>High Variance</a:t>
+            </a:r>
+            <a:endParaRPr lang="en-CA" dirty="0"/>
+          </a:p>
+        </p:txBody>
+      </p:sp>
+      <p:sp>
+        <p:nvSpPr>
+          <p:cNvPr id="25" name="TextBox 24">
+            <a:extLst>
+              <a:ext uri="{FF2B5EF4-FFF2-40B4-BE49-F238E27FC236}">
+                <a16:creationId xmlns:a16="http://schemas.microsoft.com/office/drawing/2014/main" id="{F009F95E-37CF-459E-8520-ACD58F8A7B6D}"/>
+              </a:ext>
+            </a:extLst>
+          </p:cNvPr>
+          <p:cNvSpPr txBox="1"/>
+          <p:nvPr/>
+        </p:nvSpPr>
+        <p:spPr>
+          <a:xfrm flipH="1">
+            <a:off x="6584853" y="3698425"/>
+            <a:ext cx="2574199" cy="923330"/>
+          </a:xfrm>
+          <a:prstGeom prst="rect">
+            <a:avLst/>
+          </a:prstGeom>
+          <a:noFill/>
+        </p:spPr>
+        <p:txBody>
+          <a:bodyPr wrap="square" rtlCol="0">
+            <a:spAutoFit/>
+          </a:bodyPr>
+          <a:lstStyle/>
+          <a:p>
+            <a:r>
+              <a:rPr lang="en-US" b="1" dirty="0" err="1"/>
+              <a:t>MultinomialNB</a:t>
+            </a:r>
+            <a:r>
+              <a:rPr lang="en-US" b="1" dirty="0"/>
+              <a:t>:</a:t>
+            </a:r>
+          </a:p>
+          <a:p>
+            <a:pPr marL="285750" indent="-285750">
+              <a:buFont typeface="Arial" panose="020B0604020202020204" pitchFamily="34" charset="0"/>
+              <a:buChar char="•"/>
+            </a:pPr>
+            <a:r>
+              <a:rPr lang="en-US" dirty="0"/>
+              <a:t>Low Bias </a:t>
+            </a:r>
+          </a:p>
+          <a:p>
+            <a:pPr marL="285750" indent="-285750">
+              <a:buFont typeface="Arial" panose="020B0604020202020204" pitchFamily="34" charset="0"/>
+              <a:buChar char="•"/>
+            </a:pPr>
+            <a:r>
+              <a:rPr lang="en-US" dirty="0"/>
+              <a:t>Medium Variance</a:t>
+            </a:r>
+            <a:endParaRPr lang="en-CA" dirty="0"/>
+          </a:p>
+        </p:txBody>
+      </p:sp>
+      <p:sp>
+        <p:nvSpPr>
+          <p:cNvPr id="26" name="TextBox 25">
+            <a:extLst>
+              <a:ext uri="{FF2B5EF4-FFF2-40B4-BE49-F238E27FC236}">
+                <a16:creationId xmlns:a16="http://schemas.microsoft.com/office/drawing/2014/main" id="{7522B55A-980D-42E3-8A5D-6119045FD936}"/>
+              </a:ext>
+            </a:extLst>
+          </p:cNvPr>
+          <p:cNvSpPr txBox="1"/>
+          <p:nvPr/>
+        </p:nvSpPr>
+        <p:spPr>
+          <a:xfrm flipH="1">
+            <a:off x="9462473" y="3698425"/>
+            <a:ext cx="2574199" cy="923330"/>
+          </a:xfrm>
+          <a:prstGeom prst="rect">
+            <a:avLst/>
+          </a:prstGeom>
+          <a:noFill/>
+        </p:spPr>
+        <p:txBody>
+          <a:bodyPr wrap="square" rtlCol="0">
+            <a:spAutoFit/>
+          </a:bodyPr>
+          <a:lstStyle/>
+          <a:p>
+            <a:r>
+              <a:rPr lang="en-US" b="1" dirty="0"/>
+              <a:t>Logistic Regression:</a:t>
+            </a:r>
+          </a:p>
+          <a:p>
+            <a:pPr marL="285750" indent="-285750">
+              <a:buFont typeface="Arial" panose="020B0604020202020204" pitchFamily="34" charset="0"/>
+              <a:buChar char="•"/>
+            </a:pPr>
+            <a:r>
+              <a:rPr lang="en-US" dirty="0"/>
+              <a:t>Low Bias </a:t>
+            </a:r>
+          </a:p>
+          <a:p>
+            <a:pPr marL="285750" indent="-285750">
+              <a:buFont typeface="Arial" panose="020B0604020202020204" pitchFamily="34" charset="0"/>
+              <a:buChar char="•"/>
+            </a:pPr>
+            <a:r>
+              <a:rPr lang="en-US" dirty="0"/>
+              <a:t>Medium Variance</a:t>
+            </a:r>
+            <a:endParaRPr lang="en-CA" dirty="0"/>
+          </a:p>
+        </p:txBody>
+      </p:sp>
       <p:pic>
         <p:nvPicPr>
-          <p:cNvPr id="8" name="Picture 7">
+          <p:cNvPr id="3" name="Picture 2">
             <a:extLst>
               <a:ext uri="{FF2B5EF4-FFF2-40B4-BE49-F238E27FC236}">
-                <a16:creationId xmlns:a16="http://schemas.microsoft.com/office/drawing/2014/main" id="{98A3449C-FCAE-4647-B0EC-EA370DBB39B7}"/>
+                <a16:creationId xmlns:a16="http://schemas.microsoft.com/office/drawing/2014/main" id="{DC3BF707-CA06-4C48-AECB-75A0E15A9779}"/>
               </a:ext>
             </a:extLst>
           </p:cNvPr>
@@ -9305,8 +9542,8 @@
         </p:blipFill>
         <p:spPr>
           <a:xfrm>
-            <a:off x="304801" y="1066295"/>
-            <a:ext cx="2797221" cy="2657026"/>
+            <a:off x="507788" y="1066800"/>
+            <a:ext cx="5557828" cy="2623980"/>
           </a:xfrm>
           <a:prstGeom prst="rect">
             <a:avLst/>
@@ -9315,10 +9552,10 @@
       </p:pic>
       <p:pic>
         <p:nvPicPr>
-          <p:cNvPr id="9" name="Picture 8">
+          <p:cNvPr id="4" name="Picture 3">
             <a:extLst>
               <a:ext uri="{FF2B5EF4-FFF2-40B4-BE49-F238E27FC236}">
-                <a16:creationId xmlns:a16="http://schemas.microsoft.com/office/drawing/2014/main" id="{F2B414A1-63B0-4063-84D0-F8CD4DC8EEE3}"/>
+                <a16:creationId xmlns:a16="http://schemas.microsoft.com/office/drawing/2014/main" id="{143D5220-3964-4AF3-BCD1-1BE0C76E0808}"/>
               </a:ext>
             </a:extLst>
           </p:cNvPr>
@@ -9335,310 +9572,14 @@
         </p:blipFill>
         <p:spPr>
           <a:xfrm>
-            <a:off x="3471606" y="1066295"/>
-            <a:ext cx="2618462" cy="2585974"/>
+            <a:off x="6096000" y="1066800"/>
+            <a:ext cx="5829161" cy="2733675"/>
           </a:xfrm>
           <a:prstGeom prst="rect">
             <a:avLst/>
           </a:prstGeom>
         </p:spPr>
       </p:pic>
-      <p:pic>
-        <p:nvPicPr>
-          <p:cNvPr id="10" name="Picture 9">
-            <a:extLst>
-              <a:ext uri="{FF2B5EF4-FFF2-40B4-BE49-F238E27FC236}">
-                <a16:creationId xmlns:a16="http://schemas.microsoft.com/office/drawing/2014/main" id="{CD5AA71D-0B5D-4798-92AE-8831E5B1CD4E}"/>
-              </a:ext>
-            </a:extLst>
-          </p:cNvPr>
-          <p:cNvPicPr>
-            <a:picLocks noChangeAspect="1"/>
-          </p:cNvPicPr>
-          <p:nvPr/>
-        </p:nvPicPr>
-        <p:blipFill>
-          <a:blip r:embed="rId5"/>
-          <a:stretch>
-            <a:fillRect/>
-          </a:stretch>
-        </p:blipFill>
-        <p:spPr>
-          <a:xfrm>
-            <a:off x="6317553" y="1066800"/>
-            <a:ext cx="2682377" cy="2656015"/>
-          </a:xfrm>
-          <a:prstGeom prst="rect">
-            <a:avLst/>
-          </a:prstGeom>
-        </p:spPr>
-      </p:pic>
-      <p:pic>
-        <p:nvPicPr>
-          <p:cNvPr id="11" name="Picture 10">
-            <a:extLst>
-              <a:ext uri="{FF2B5EF4-FFF2-40B4-BE49-F238E27FC236}">
-                <a16:creationId xmlns:a16="http://schemas.microsoft.com/office/drawing/2014/main" id="{EBED5DCC-2527-490F-A73C-228FFC724FA0}"/>
-              </a:ext>
-            </a:extLst>
-          </p:cNvPr>
-          <p:cNvPicPr>
-            <a:picLocks noChangeAspect="1"/>
-          </p:cNvPicPr>
-          <p:nvPr/>
-        </p:nvPicPr>
-        <p:blipFill>
-          <a:blip r:embed="rId6"/>
-          <a:stretch>
-            <a:fillRect/>
-          </a:stretch>
-        </p:blipFill>
-        <p:spPr>
-          <a:xfrm>
-            <a:off x="9165531" y="1066800"/>
-            <a:ext cx="2797221" cy="2656015"/>
-          </a:xfrm>
-          <a:prstGeom prst="rect">
-            <a:avLst/>
-          </a:prstGeom>
-        </p:spPr>
-      </p:pic>
-      <p:sp>
-        <p:nvSpPr>
-          <p:cNvPr id="21" name="TextBox 20">
-            <a:extLst>
-              <a:ext uri="{FF2B5EF4-FFF2-40B4-BE49-F238E27FC236}">
-                <a16:creationId xmlns:a16="http://schemas.microsoft.com/office/drawing/2014/main" id="{CC1A33E8-496E-43A3-96EC-2032DF7B3F75}"/>
-              </a:ext>
-            </a:extLst>
-          </p:cNvPr>
-          <p:cNvSpPr txBox="1"/>
-          <p:nvPr/>
-        </p:nvSpPr>
-        <p:spPr>
-          <a:xfrm flipH="1">
-            <a:off x="527823" y="3652269"/>
-            <a:ext cx="2574199" cy="923330"/>
-          </a:xfrm>
-          <a:prstGeom prst="rect">
-            <a:avLst/>
-          </a:prstGeom>
-          <a:noFill/>
-        </p:spPr>
-        <p:txBody>
-          <a:bodyPr wrap="square" rtlCol="0">
-            <a:spAutoFit/>
-          </a:bodyPr>
-          <a:lstStyle/>
-          <a:p>
-            <a:r>
-              <a:rPr lang="en-US" b="1" dirty="0"/>
-              <a:t>Random Forest </a:t>
-            </a:r>
-            <a:r>
-              <a:rPr lang="en-US" b="1" dirty="0" err="1"/>
-              <a:t>Classifer</a:t>
-            </a:r>
-            <a:r>
-              <a:rPr lang="en-US" b="1" dirty="0"/>
-              <a:t>:</a:t>
-            </a:r>
-          </a:p>
-          <a:p>
-            <a:pPr marL="285750" indent="-285750">
-              <a:buFont typeface="Arial" panose="020B0604020202020204" pitchFamily="34" charset="0"/>
-              <a:buChar char="•"/>
-            </a:pPr>
-            <a:r>
-              <a:rPr lang="en-US" dirty="0"/>
-              <a:t>High Bias </a:t>
-            </a:r>
-          </a:p>
-          <a:p>
-            <a:pPr marL="285750" indent="-285750">
-              <a:buFont typeface="Arial" panose="020B0604020202020204" pitchFamily="34" charset="0"/>
-              <a:buChar char="•"/>
-            </a:pPr>
-            <a:r>
-              <a:rPr lang="en-US" dirty="0"/>
-              <a:t>Low Variance</a:t>
-            </a:r>
-            <a:endParaRPr lang="en-CA" dirty="0"/>
-          </a:p>
-        </p:txBody>
-      </p:sp>
-      <p:sp>
-        <p:nvSpPr>
-          <p:cNvPr id="23" name="TextBox 22">
-            <a:extLst>
-              <a:ext uri="{FF2B5EF4-FFF2-40B4-BE49-F238E27FC236}">
-                <a16:creationId xmlns:a16="http://schemas.microsoft.com/office/drawing/2014/main" id="{22072420-D39E-43BC-A63E-072B174B0F72}"/>
-              </a:ext>
-            </a:extLst>
-          </p:cNvPr>
-          <p:cNvSpPr txBox="1"/>
-          <p:nvPr/>
-        </p:nvSpPr>
-        <p:spPr>
-          <a:xfrm flipH="1">
-            <a:off x="3422688" y="3652269"/>
-            <a:ext cx="2574199" cy="923330"/>
-          </a:xfrm>
-          <a:prstGeom prst="rect">
-            <a:avLst/>
-          </a:prstGeom>
-          <a:noFill/>
-        </p:spPr>
-        <p:txBody>
-          <a:bodyPr wrap="square" rtlCol="0">
-            <a:spAutoFit/>
-          </a:bodyPr>
-          <a:lstStyle/>
-          <a:p>
-            <a:r>
-              <a:rPr lang="en-US" b="1" dirty="0"/>
-              <a:t>Linear SVC:</a:t>
-            </a:r>
-          </a:p>
-          <a:p>
-            <a:pPr marL="285750" indent="-285750">
-              <a:buFont typeface="Arial" panose="020B0604020202020204" pitchFamily="34" charset="0"/>
-              <a:buChar char="•"/>
-            </a:pPr>
-            <a:r>
-              <a:rPr lang="en-US" dirty="0"/>
-              <a:t>Low Bias </a:t>
-            </a:r>
-          </a:p>
-          <a:p>
-            <a:pPr marL="285750" indent="-285750">
-              <a:buFont typeface="Arial" panose="020B0604020202020204" pitchFamily="34" charset="0"/>
-              <a:buChar char="•"/>
-            </a:pPr>
-            <a:r>
-              <a:rPr lang="en-US" dirty="0"/>
-              <a:t>High Variance</a:t>
-            </a:r>
-            <a:endParaRPr lang="en-CA" dirty="0"/>
-          </a:p>
-        </p:txBody>
-      </p:sp>
-      <p:sp>
-        <p:nvSpPr>
-          <p:cNvPr id="25" name="TextBox 24">
-            <a:extLst>
-              <a:ext uri="{FF2B5EF4-FFF2-40B4-BE49-F238E27FC236}">
-                <a16:creationId xmlns:a16="http://schemas.microsoft.com/office/drawing/2014/main" id="{F009F95E-37CF-459E-8520-ACD58F8A7B6D}"/>
-              </a:ext>
-            </a:extLst>
-          </p:cNvPr>
-          <p:cNvSpPr txBox="1"/>
-          <p:nvPr/>
-        </p:nvSpPr>
-        <p:spPr>
-          <a:xfrm flipH="1">
-            <a:off x="6591332" y="3652269"/>
-            <a:ext cx="2574199" cy="923330"/>
-          </a:xfrm>
-          <a:prstGeom prst="rect">
-            <a:avLst/>
-          </a:prstGeom>
-          <a:noFill/>
-        </p:spPr>
-        <p:txBody>
-          <a:bodyPr wrap="square" rtlCol="0">
-            <a:spAutoFit/>
-          </a:bodyPr>
-          <a:lstStyle/>
-          <a:p>
-            <a:r>
-              <a:rPr lang="en-US" b="1" dirty="0" err="1"/>
-              <a:t>MultinomialNB</a:t>
-            </a:r>
-            <a:r>
-              <a:rPr lang="en-US" b="1" dirty="0"/>
-              <a:t>:</a:t>
-            </a:r>
-          </a:p>
-          <a:p>
-            <a:pPr marL="285750" indent="-285750">
-              <a:buFont typeface="Arial" panose="020B0604020202020204" pitchFamily="34" charset="0"/>
-              <a:buChar char="•"/>
-            </a:pPr>
-            <a:r>
-              <a:rPr lang="en-US" dirty="0"/>
-              <a:t>Low Bias </a:t>
-            </a:r>
-          </a:p>
-          <a:p>
-            <a:pPr marL="285750" indent="-285750">
-              <a:buFont typeface="Arial" panose="020B0604020202020204" pitchFamily="34" charset="0"/>
-              <a:buChar char="•"/>
-            </a:pPr>
-            <a:r>
-              <a:rPr lang="en-US" dirty="0"/>
-              <a:t>Medium Variance</a:t>
-            </a:r>
-            <a:endParaRPr lang="en-CA" dirty="0"/>
-          </a:p>
-        </p:txBody>
-      </p:sp>
-      <p:sp>
-        <p:nvSpPr>
-          <p:cNvPr id="26" name="TextBox 25">
-            <a:extLst>
-              <a:ext uri="{FF2B5EF4-FFF2-40B4-BE49-F238E27FC236}">
-                <a16:creationId xmlns:a16="http://schemas.microsoft.com/office/drawing/2014/main" id="{7522B55A-980D-42E3-8A5D-6119045FD936}"/>
-              </a:ext>
-            </a:extLst>
-          </p:cNvPr>
-          <p:cNvSpPr txBox="1"/>
-          <p:nvPr/>
-        </p:nvSpPr>
-        <p:spPr>
-          <a:xfrm flipH="1">
-            <a:off x="9388553" y="3652269"/>
-            <a:ext cx="2574199" cy="923330"/>
-          </a:xfrm>
-          <a:prstGeom prst="rect">
-            <a:avLst/>
-          </a:prstGeom>
-          <a:noFill/>
-        </p:spPr>
-        <p:txBody>
-          <a:bodyPr wrap="square" rtlCol="0">
-            <a:spAutoFit/>
-          </a:bodyPr>
-          <a:lstStyle/>
-          <a:p>
-            <a:r>
-              <a:rPr lang="en-US" b="1" dirty="0"/>
-              <a:t>Logistic Regression:</a:t>
-            </a:r>
-          </a:p>
-          <a:p>
-            <a:pPr marL="285750" indent="-285750">
-              <a:buFont typeface="Arial" panose="020B0604020202020204" pitchFamily="34" charset="0"/>
-              <a:buChar char="•"/>
-            </a:pPr>
-            <a:r>
-              <a:rPr lang="en-US" dirty="0"/>
-              <a:t>Low Bias </a:t>
-            </a:r>
-          </a:p>
-          <a:p>
-            <a:pPr marL="285750" indent="-285750">
-              <a:buFont typeface="Arial" panose="020B0604020202020204" pitchFamily="34" charset="0"/>
-              <a:buChar char="•"/>
-            </a:pPr>
-            <a:r>
-              <a:rPr lang="en-US" dirty="0"/>
-              <a:t>Medium Variance</a:t>
-            </a:r>
-            <a:endParaRPr lang="en-CA" dirty="0"/>
-          </a:p>
-        </p:txBody>
-      </p:sp>
     </p:spTree>
     <p:extLst>
       <p:ext uri="{BB962C8B-B14F-4D97-AF65-F5344CB8AC3E}">
@@ -9719,7 +9660,7 @@
         </p:nvSpPr>
         <p:spPr>
           <a:xfrm flipH="1">
-            <a:off x="532583" y="3696383"/>
+            <a:off x="563939" y="3696383"/>
             <a:ext cx="2574199" cy="923330"/>
           </a:xfrm>
           <a:prstGeom prst="rect">
@@ -9783,7 +9724,7 @@
         </p:nvSpPr>
         <p:spPr>
           <a:xfrm flipH="1">
-            <a:off x="3347135" y="3708534"/>
+            <a:off x="3756710" y="3708534"/>
             <a:ext cx="2574199" cy="923330"/>
           </a:xfrm>
           <a:prstGeom prst="rect">
@@ -9839,7 +9780,7 @@
         </p:nvSpPr>
         <p:spPr>
           <a:xfrm flipH="1">
-            <a:off x="6292757" y="3696383"/>
+            <a:off x="6645182" y="3708534"/>
             <a:ext cx="2574199" cy="923330"/>
           </a:xfrm>
           <a:prstGeom prst="rect">
@@ -9899,7 +9840,7 @@
         </p:nvSpPr>
         <p:spPr>
           <a:xfrm flipH="1">
-            <a:off x="9089978" y="3696383"/>
+            <a:off x="9085220" y="3696383"/>
             <a:ext cx="2574199" cy="923330"/>
           </a:xfrm>
           <a:prstGeom prst="rect">
@@ -9941,12 +9882,52 @@
           </a:p>
         </p:txBody>
       </p:sp>
+      <p:sp>
+        <p:nvSpPr>
+          <p:cNvPr id="15" name="TextBox 14">
+            <a:extLst>
+              <a:ext uri="{FF2B5EF4-FFF2-40B4-BE49-F238E27FC236}">
+                <a16:creationId xmlns:a16="http://schemas.microsoft.com/office/drawing/2014/main" id="{717EA62E-1A3C-4B15-9134-5FF74506CCDA}"/>
+              </a:ext>
+            </a:extLst>
+          </p:cNvPr>
+          <p:cNvSpPr txBox="1"/>
+          <p:nvPr/>
+        </p:nvSpPr>
+        <p:spPr>
+          <a:xfrm flipH="1">
+            <a:off x="1122265" y="5093115"/>
+            <a:ext cx="6292943" cy="1200329"/>
+          </a:xfrm>
+          <a:prstGeom prst="rect">
+            <a:avLst/>
+          </a:prstGeom>
+          <a:noFill/>
+        </p:spPr>
+        <p:txBody>
+          <a:bodyPr wrap="square" rtlCol="0">
+            <a:spAutoFit/>
+          </a:bodyPr>
+          <a:lstStyle/>
+          <a:p>
+            <a:r>
+              <a:rPr lang="en-US" b="1" u="sng" dirty="0"/>
+              <a:t>NOTE: </a:t>
+            </a:r>
+            <a:r>
+              <a:rPr lang="en-US" dirty="0"/>
+              <a:t>The training and test curves are starting to converge after increasing our sample size and modifying the weight of the samples taken on each class to boost the higher error rate classes.</a:t>
+            </a:r>
+            <a:endParaRPr lang="en-CA" dirty="0"/>
+          </a:p>
+        </p:txBody>
+      </p:sp>
       <p:pic>
         <p:nvPicPr>
-          <p:cNvPr id="10" name="Picture 9">
+          <p:cNvPr id="3" name="Picture 2">
             <a:extLst>
               <a:ext uri="{FF2B5EF4-FFF2-40B4-BE49-F238E27FC236}">
-                <a16:creationId xmlns:a16="http://schemas.microsoft.com/office/drawing/2014/main" id="{C7B44484-108F-47EB-A71E-5FB449CB566C}"/>
+                <a16:creationId xmlns:a16="http://schemas.microsoft.com/office/drawing/2014/main" id="{503986C3-F44C-4C6D-A4A2-F1B8D682104F}"/>
               </a:ext>
             </a:extLst>
           </p:cNvPr>
@@ -9963,8 +9944,8 @@
         </p:blipFill>
         <p:spPr>
           <a:xfrm>
-            <a:off x="304802" y="1072690"/>
-            <a:ext cx="2721668" cy="2597061"/>
+            <a:off x="354942" y="1072690"/>
+            <a:ext cx="5566392" cy="2590236"/>
           </a:xfrm>
           <a:prstGeom prst="rect">
             <a:avLst/>
@@ -9973,10 +9954,10 @@
       </p:pic>
       <p:pic>
         <p:nvPicPr>
-          <p:cNvPr id="11" name="Picture 10">
+          <p:cNvPr id="4" name="Picture 3">
             <a:extLst>
               <a:ext uri="{FF2B5EF4-FFF2-40B4-BE49-F238E27FC236}">
-                <a16:creationId xmlns:a16="http://schemas.microsoft.com/office/drawing/2014/main" id="{42E79F06-D577-412E-AEBD-84B161C23707}"/>
+                <a16:creationId xmlns:a16="http://schemas.microsoft.com/office/drawing/2014/main" id="{C7E3C798-0343-4254-888D-5F250AB4B186}"/>
               </a:ext>
             </a:extLst>
           </p:cNvPr>
@@ -9993,114 +9974,14 @@
         </p:blipFill>
         <p:spPr>
           <a:xfrm>
-            <a:off x="3199666" y="1048274"/>
-            <a:ext cx="2721668" cy="2648109"/>
+            <a:off x="6096000" y="1072690"/>
+            <a:ext cx="5496985" cy="2590236"/>
           </a:xfrm>
           <a:prstGeom prst="rect">
             <a:avLst/>
           </a:prstGeom>
         </p:spPr>
       </p:pic>
-      <p:pic>
-        <p:nvPicPr>
-          <p:cNvPr id="12" name="Picture 11">
-            <a:extLst>
-              <a:ext uri="{FF2B5EF4-FFF2-40B4-BE49-F238E27FC236}">
-                <a16:creationId xmlns:a16="http://schemas.microsoft.com/office/drawing/2014/main" id="{0A2149DA-45DB-486A-B3A5-8E55DD7646ED}"/>
-              </a:ext>
-            </a:extLst>
-          </p:cNvPr>
-          <p:cNvPicPr>
-            <a:picLocks noChangeAspect="1"/>
-          </p:cNvPicPr>
-          <p:nvPr/>
-        </p:nvPicPr>
-        <p:blipFill>
-          <a:blip r:embed="rId5"/>
-          <a:stretch>
-            <a:fillRect/>
-          </a:stretch>
-        </p:blipFill>
-        <p:spPr>
-          <a:xfrm>
-            <a:off x="6014218" y="1072690"/>
-            <a:ext cx="2801981" cy="2699719"/>
-          </a:xfrm>
-          <a:prstGeom prst="rect">
-            <a:avLst/>
-          </a:prstGeom>
-        </p:spPr>
-      </p:pic>
-      <p:pic>
-        <p:nvPicPr>
-          <p:cNvPr id="13" name="Picture 12">
-            <a:extLst>
-              <a:ext uri="{FF2B5EF4-FFF2-40B4-BE49-F238E27FC236}">
-                <a16:creationId xmlns:a16="http://schemas.microsoft.com/office/drawing/2014/main" id="{A3382910-A979-4D81-94C2-1754F9269A21}"/>
-              </a:ext>
-            </a:extLst>
-          </p:cNvPr>
-          <p:cNvPicPr>
-            <a:picLocks noChangeAspect="1"/>
-          </p:cNvPicPr>
-          <p:nvPr/>
-        </p:nvPicPr>
-        <p:blipFill>
-          <a:blip r:embed="rId6"/>
-          <a:stretch>
-            <a:fillRect/>
-          </a:stretch>
-        </p:blipFill>
-        <p:spPr>
-          <a:xfrm>
-            <a:off x="9089978" y="1072690"/>
-            <a:ext cx="2753445" cy="2699719"/>
-          </a:xfrm>
-          <a:prstGeom prst="rect">
-            <a:avLst/>
-          </a:prstGeom>
-        </p:spPr>
-      </p:pic>
-      <p:sp>
-        <p:nvSpPr>
-          <p:cNvPr id="15" name="TextBox 14">
-            <a:extLst>
-              <a:ext uri="{FF2B5EF4-FFF2-40B4-BE49-F238E27FC236}">
-                <a16:creationId xmlns:a16="http://schemas.microsoft.com/office/drawing/2014/main" id="{717EA62E-1A3C-4B15-9134-5FF74506CCDA}"/>
-              </a:ext>
-            </a:extLst>
-          </p:cNvPr>
-          <p:cNvSpPr txBox="1"/>
-          <p:nvPr/>
-        </p:nvSpPr>
-        <p:spPr>
-          <a:xfrm flipH="1">
-            <a:off x="1122265" y="5093115"/>
-            <a:ext cx="6292943" cy="1200329"/>
-          </a:xfrm>
-          <a:prstGeom prst="rect">
-            <a:avLst/>
-          </a:prstGeom>
-          <a:noFill/>
-        </p:spPr>
-        <p:txBody>
-          <a:bodyPr wrap="square" rtlCol="0">
-            <a:spAutoFit/>
-          </a:bodyPr>
-          <a:lstStyle/>
-          <a:p>
-            <a:r>
-              <a:rPr lang="en-US" b="1" u="sng" dirty="0"/>
-              <a:t>NOTE: </a:t>
-            </a:r>
-            <a:r>
-              <a:rPr lang="en-US" dirty="0"/>
-              <a:t>The training and test curves are starting to converge after increasing our sample size and modifying the weight of the samples taken on each class to boost the higher error rate classes.</a:t>
-            </a:r>
-            <a:endParaRPr lang="en-CA" dirty="0"/>
-          </a:p>
-        </p:txBody>
-      </p:sp>
     </p:spTree>
     <p:extLst>
       <p:ext uri="{BB962C8B-B14F-4D97-AF65-F5344CB8AC3E}">
@@ -10167,12 +10048,84 @@
           </a:p>
         </p:txBody>
       </p:sp>
+      <p:sp>
+        <p:nvSpPr>
+          <p:cNvPr id="8" name="TextBox 7">
+            <a:extLst>
+              <a:ext uri="{FF2B5EF4-FFF2-40B4-BE49-F238E27FC236}">
+                <a16:creationId xmlns:a16="http://schemas.microsoft.com/office/drawing/2014/main" id="{A03A83B2-95E7-4D52-8BE9-3DE9741164CE}"/>
+              </a:ext>
+            </a:extLst>
+          </p:cNvPr>
+          <p:cNvSpPr txBox="1"/>
+          <p:nvPr/>
+        </p:nvSpPr>
+        <p:spPr>
+          <a:xfrm flipH="1">
+            <a:off x="1676399" y="6229128"/>
+            <a:ext cx="3644899" cy="369332"/>
+          </a:xfrm>
+          <a:prstGeom prst="rect">
+            <a:avLst/>
+          </a:prstGeom>
+          <a:noFill/>
+        </p:spPr>
+        <p:txBody>
+          <a:bodyPr wrap="square" rtlCol="0">
+            <a:spAutoFit/>
+          </a:bodyPr>
+          <a:lstStyle/>
+          <a:p>
+            <a:r>
+              <a:rPr lang="en-US" b="1" dirty="0"/>
+              <a:t>Learning Curves Test/Train Errors</a:t>
+            </a:r>
+            <a:endParaRPr lang="en-CA" b="1" dirty="0"/>
+          </a:p>
+        </p:txBody>
+      </p:sp>
+      <p:sp>
+        <p:nvSpPr>
+          <p:cNvPr id="11" name="TextBox 10">
+            <a:extLst>
+              <a:ext uri="{FF2B5EF4-FFF2-40B4-BE49-F238E27FC236}">
+                <a16:creationId xmlns:a16="http://schemas.microsoft.com/office/drawing/2014/main" id="{28188166-A167-47EC-90C3-E5FE8FB9B92E}"/>
+              </a:ext>
+            </a:extLst>
+          </p:cNvPr>
+          <p:cNvSpPr txBox="1"/>
+          <p:nvPr/>
+        </p:nvSpPr>
+        <p:spPr>
+          <a:xfrm flipH="1">
+            <a:off x="7087865" y="6229128"/>
+            <a:ext cx="4164334" cy="369332"/>
+          </a:xfrm>
+          <a:prstGeom prst="rect">
+            <a:avLst/>
+          </a:prstGeom>
+          <a:noFill/>
+        </p:spPr>
+        <p:txBody>
+          <a:bodyPr wrap="square" rtlCol="0">
+            <a:spAutoFit/>
+          </a:bodyPr>
+          <a:lstStyle/>
+          <a:p>
+            <a:r>
+              <a:rPr lang="en-US" b="1" dirty="0"/>
+              <a:t>Cross-Validation Score by Ensemble Size</a:t>
+            </a:r>
+            <a:endParaRPr lang="en-CA" b="1" dirty="0"/>
+          </a:p>
+        </p:txBody>
+      </p:sp>
       <p:pic>
         <p:nvPicPr>
-          <p:cNvPr id="5" name="Picture 4">
+          <p:cNvPr id="3" name="Picture 2">
             <a:extLst>
               <a:ext uri="{FF2B5EF4-FFF2-40B4-BE49-F238E27FC236}">
-                <a16:creationId xmlns:a16="http://schemas.microsoft.com/office/drawing/2014/main" id="{9A2123B1-34DC-4678-8F07-790D53ED7B5D}"/>
+                <a16:creationId xmlns:a16="http://schemas.microsoft.com/office/drawing/2014/main" id="{7F7EBF42-523F-499C-A009-13762C2C975C}"/>
               </a:ext>
             </a:extLst>
           </p:cNvPr>
@@ -10189,8 +10142,8 @@
         </p:blipFill>
         <p:spPr>
           <a:xfrm>
-            <a:off x="5786938" y="901701"/>
-            <a:ext cx="5566863" cy="5327428"/>
+            <a:off x="612772" y="901700"/>
+            <a:ext cx="5483228" cy="5211332"/>
           </a:xfrm>
           <a:prstGeom prst="rect">
             <a:avLst/>
@@ -10199,10 +10152,10 @@
       </p:pic>
       <p:pic>
         <p:nvPicPr>
-          <p:cNvPr id="7" name="Picture 6">
+          <p:cNvPr id="4" name="Picture 3">
             <a:extLst>
               <a:ext uri="{FF2B5EF4-FFF2-40B4-BE49-F238E27FC236}">
-                <a16:creationId xmlns:a16="http://schemas.microsoft.com/office/drawing/2014/main" id="{6F2625E9-245B-4129-97D7-4887AABB2604}"/>
+                <a16:creationId xmlns:a16="http://schemas.microsoft.com/office/drawing/2014/main" id="{76835456-DFCA-4B56-B2D4-67DEA8A72A22}"/>
               </a:ext>
             </a:extLst>
           </p:cNvPr>
@@ -10219,86 +10172,14 @@
         </p:blipFill>
         <p:spPr>
           <a:xfrm>
-            <a:off x="152266" y="901701"/>
-            <a:ext cx="5572901" cy="5327428"/>
+            <a:off x="6096001" y="901700"/>
+            <a:ext cx="5483228" cy="5261552"/>
           </a:xfrm>
           <a:prstGeom prst="rect">
             <a:avLst/>
           </a:prstGeom>
         </p:spPr>
       </p:pic>
-      <p:sp>
-        <p:nvSpPr>
-          <p:cNvPr id="8" name="TextBox 7">
-            <a:extLst>
-              <a:ext uri="{FF2B5EF4-FFF2-40B4-BE49-F238E27FC236}">
-                <a16:creationId xmlns:a16="http://schemas.microsoft.com/office/drawing/2014/main" id="{A03A83B2-95E7-4D52-8BE9-3DE9741164CE}"/>
-              </a:ext>
-            </a:extLst>
-          </p:cNvPr>
-          <p:cNvSpPr txBox="1"/>
-          <p:nvPr/>
-        </p:nvSpPr>
-        <p:spPr>
-          <a:xfrm flipH="1">
-            <a:off x="1676399" y="6229128"/>
-            <a:ext cx="3644899" cy="369332"/>
-          </a:xfrm>
-          <a:prstGeom prst="rect">
-            <a:avLst/>
-          </a:prstGeom>
-          <a:noFill/>
-        </p:spPr>
-        <p:txBody>
-          <a:bodyPr wrap="square" rtlCol="0">
-            <a:spAutoFit/>
-          </a:bodyPr>
-          <a:lstStyle/>
-          <a:p>
-            <a:r>
-              <a:rPr lang="en-US" b="1" dirty="0"/>
-              <a:t>Learning Curves Test/Train Errors</a:t>
-            </a:r>
-            <a:endParaRPr lang="en-CA" b="1" dirty="0"/>
-          </a:p>
-        </p:txBody>
-      </p:sp>
-      <p:sp>
-        <p:nvSpPr>
-          <p:cNvPr id="11" name="TextBox 10">
-            <a:extLst>
-              <a:ext uri="{FF2B5EF4-FFF2-40B4-BE49-F238E27FC236}">
-                <a16:creationId xmlns:a16="http://schemas.microsoft.com/office/drawing/2014/main" id="{28188166-A167-47EC-90C3-E5FE8FB9B92E}"/>
-              </a:ext>
-            </a:extLst>
-          </p:cNvPr>
-          <p:cNvSpPr txBox="1"/>
-          <p:nvPr/>
-        </p:nvSpPr>
-        <p:spPr>
-          <a:xfrm flipH="1">
-            <a:off x="7087865" y="6229128"/>
-            <a:ext cx="4164334" cy="369332"/>
-          </a:xfrm>
-          <a:prstGeom prst="rect">
-            <a:avLst/>
-          </a:prstGeom>
-          <a:noFill/>
-        </p:spPr>
-        <p:txBody>
-          <a:bodyPr wrap="square" rtlCol="0">
-            <a:spAutoFit/>
-          </a:bodyPr>
-          <a:lstStyle/>
-          <a:p>
-            <a:r>
-              <a:rPr lang="en-US" b="1" dirty="0"/>
-              <a:t>Cross-Validation Score by Ensemble Size</a:t>
-            </a:r>
-            <a:endParaRPr lang="en-CA" b="1" dirty="0"/>
-          </a:p>
-        </p:txBody>
-      </p:sp>
     </p:spTree>
     <p:extLst>
       <p:ext uri="{BB962C8B-B14F-4D97-AF65-F5344CB8AC3E}">
@@ -10439,10 +10320,10 @@
       </p:sp>
       <p:pic>
         <p:nvPicPr>
-          <p:cNvPr id="3" name="Picture 2">
+          <p:cNvPr id="5" name="Picture 4">
             <a:extLst>
               <a:ext uri="{FF2B5EF4-FFF2-40B4-BE49-F238E27FC236}">
-                <a16:creationId xmlns:a16="http://schemas.microsoft.com/office/drawing/2014/main" id="{1AD29E9A-E770-4FE0-A408-4FD36E807EC2}"/>
+                <a16:creationId xmlns:a16="http://schemas.microsoft.com/office/drawing/2014/main" id="{9110FA96-8120-4F78-9EC1-4B3EFE83B106}"/>
               </a:ext>
             </a:extLst>
           </p:cNvPr>
@@ -10459,8 +10340,8 @@
         </p:blipFill>
         <p:spPr>
           <a:xfrm>
-            <a:off x="6416039" y="928547"/>
-            <a:ext cx="5430657" cy="5300581"/>
+            <a:off x="368166" y="901700"/>
+            <a:ext cx="5603454" cy="5400675"/>
           </a:xfrm>
           <a:prstGeom prst="rect">
             <a:avLst/>
@@ -10469,10 +10350,10 @@
       </p:pic>
       <p:pic>
         <p:nvPicPr>
-          <p:cNvPr id="4" name="Picture 3">
+          <p:cNvPr id="6" name="Picture 5">
             <a:extLst>
               <a:ext uri="{FF2B5EF4-FFF2-40B4-BE49-F238E27FC236}">
-                <a16:creationId xmlns:a16="http://schemas.microsoft.com/office/drawing/2014/main" id="{39F5C152-139A-418B-BFF3-013432D02573}"/>
+                <a16:creationId xmlns:a16="http://schemas.microsoft.com/office/drawing/2014/main" id="{F8F1566F-F02A-45A6-971F-706E1383F152}"/>
               </a:ext>
             </a:extLst>
           </p:cNvPr>
@@ -10489,8 +10370,8 @@
         </p:blipFill>
         <p:spPr>
           <a:xfrm>
-            <a:off x="266699" y="928547"/>
-            <a:ext cx="5559632" cy="5300581"/>
+            <a:off x="5971621" y="901701"/>
+            <a:ext cx="5737230" cy="5327428"/>
           </a:xfrm>
           <a:prstGeom prst="rect">
             <a:avLst/>
@@ -10577,7 +10458,7 @@
         </p:nvSpPr>
         <p:spPr>
           <a:xfrm flipH="1">
-            <a:off x="1673579" y="5181599"/>
+            <a:off x="1749779" y="5113572"/>
             <a:ext cx="3644899" cy="369332"/>
           </a:xfrm>
           <a:prstGeom prst="rect">
@@ -10599,12 +10480,89 @@
           </a:p>
         </p:txBody>
       </p:sp>
+      <p:sp>
+        <p:nvSpPr>
+          <p:cNvPr id="10" name="TextBox 9">
+            <a:extLst>
+              <a:ext uri="{FF2B5EF4-FFF2-40B4-BE49-F238E27FC236}">
+                <a16:creationId xmlns:a16="http://schemas.microsoft.com/office/drawing/2014/main" id="{A586DBE2-100C-42C5-AADC-4650BAC82909}"/>
+              </a:ext>
+            </a:extLst>
+          </p:cNvPr>
+          <p:cNvSpPr txBox="1"/>
+          <p:nvPr/>
+        </p:nvSpPr>
+        <p:spPr>
+          <a:xfrm flipH="1">
+            <a:off x="7674328" y="5113572"/>
+            <a:ext cx="3644899" cy="646331"/>
+          </a:xfrm>
+          <a:prstGeom prst="rect">
+            <a:avLst/>
+          </a:prstGeom>
+          <a:noFill/>
+        </p:spPr>
+        <p:txBody>
+          <a:bodyPr wrap="square" rtlCol="0">
+            <a:spAutoFit/>
+          </a:bodyPr>
+          <a:lstStyle/>
+          <a:p>
+            <a:r>
+              <a:rPr lang="en-US" b="1" dirty="0"/>
+              <a:t>Stacking Ensemble Accuracy by Classifier</a:t>
+            </a:r>
+            <a:endParaRPr lang="en-CA" b="1" dirty="0"/>
+          </a:p>
+        </p:txBody>
+      </p:sp>
+      <p:sp>
+        <p:nvSpPr>
+          <p:cNvPr id="15" name="TextBox 14">
+            <a:extLst>
+              <a:ext uri="{FF2B5EF4-FFF2-40B4-BE49-F238E27FC236}">
+                <a16:creationId xmlns:a16="http://schemas.microsoft.com/office/drawing/2014/main" id="{123CE5C2-7072-45F2-8EAF-2EB351F1790B}"/>
+              </a:ext>
+            </a:extLst>
+          </p:cNvPr>
+          <p:cNvSpPr txBox="1"/>
+          <p:nvPr/>
+        </p:nvSpPr>
+        <p:spPr>
+          <a:xfrm flipH="1">
+            <a:off x="1127478" y="810435"/>
+            <a:ext cx="10007600" cy="369332"/>
+          </a:xfrm>
+          <a:prstGeom prst="rect">
+            <a:avLst/>
+          </a:prstGeom>
+          <a:noFill/>
+        </p:spPr>
+        <p:txBody>
+          <a:bodyPr wrap="square" rtlCol="0">
+            <a:spAutoFit/>
+          </a:bodyPr>
+          <a:lstStyle/>
+          <a:p>
+            <a:pPr algn="ctr"/>
+            <a:r>
+              <a:rPr lang="en-US" dirty="0"/>
+              <a:t>Random Forest -&gt; Linear SVC -&gt; Multinomial Naïve Bayes -&gt; </a:t>
+            </a:r>
+            <a:r>
+              <a:rPr lang="en-US" b="1" dirty="0"/>
+              <a:t>Stacking Logistic Regression</a:t>
+            </a:r>
+            <a:endParaRPr lang="en-CA" b="1" dirty="0"/>
+          </a:p>
+        </p:txBody>
+      </p:sp>
       <p:pic>
         <p:nvPicPr>
-          <p:cNvPr id="5" name="Picture 4">
+          <p:cNvPr id="3" name="Picture 2">
             <a:extLst>
               <a:ext uri="{FF2B5EF4-FFF2-40B4-BE49-F238E27FC236}">
-                <a16:creationId xmlns:a16="http://schemas.microsoft.com/office/drawing/2014/main" id="{74C84649-ADCD-4636-8080-E10AAD75B2D2}"/>
+                <a16:creationId xmlns:a16="http://schemas.microsoft.com/office/drawing/2014/main" id="{F99A2E08-FF64-4972-8701-5632655456B9}"/>
               </a:ext>
             </a:extLst>
           </p:cNvPr>
@@ -10621,8 +10579,8 @@
         </p:blipFill>
         <p:spPr>
           <a:xfrm>
-            <a:off x="6131278" y="1179766"/>
-            <a:ext cx="5846486" cy="3897657"/>
+            <a:off x="6371859" y="1375096"/>
+            <a:ext cx="5239481" cy="3496163"/>
           </a:xfrm>
           <a:prstGeom prst="rect">
             <a:avLst/>
@@ -10631,10 +10589,10 @@
       </p:pic>
       <p:pic>
         <p:nvPicPr>
-          <p:cNvPr id="6" name="Picture 5">
+          <p:cNvPr id="4" name="Picture 3">
             <a:extLst>
               <a:ext uri="{FF2B5EF4-FFF2-40B4-BE49-F238E27FC236}">
-                <a16:creationId xmlns:a16="http://schemas.microsoft.com/office/drawing/2014/main" id="{E6628B4B-6465-4558-9C3B-561C65A525A9}"/>
+                <a16:creationId xmlns:a16="http://schemas.microsoft.com/office/drawing/2014/main" id="{F6B7762C-9865-49B8-8B3E-8D977C3191B8}"/>
               </a:ext>
             </a:extLst>
           </p:cNvPr>
@@ -10651,91 +10609,14 @@
         </p:blipFill>
         <p:spPr>
           <a:xfrm>
-            <a:off x="301976" y="1283942"/>
-            <a:ext cx="5912923" cy="3897657"/>
+            <a:off x="580660" y="1375096"/>
+            <a:ext cx="5577143" cy="3611174"/>
           </a:xfrm>
           <a:prstGeom prst="rect">
             <a:avLst/>
           </a:prstGeom>
         </p:spPr>
       </p:pic>
-      <p:sp>
-        <p:nvSpPr>
-          <p:cNvPr id="10" name="TextBox 9">
-            <a:extLst>
-              <a:ext uri="{FF2B5EF4-FFF2-40B4-BE49-F238E27FC236}">
-                <a16:creationId xmlns:a16="http://schemas.microsoft.com/office/drawing/2014/main" id="{A586DBE2-100C-42C5-AADC-4650BAC82909}"/>
-              </a:ext>
-            </a:extLst>
-          </p:cNvPr>
-          <p:cNvSpPr txBox="1"/>
-          <p:nvPr/>
-        </p:nvSpPr>
-        <p:spPr>
-          <a:xfrm flipH="1">
-            <a:off x="7273882" y="5077423"/>
-            <a:ext cx="3644899" cy="646331"/>
-          </a:xfrm>
-          <a:prstGeom prst="rect">
-            <a:avLst/>
-          </a:prstGeom>
-          <a:noFill/>
-        </p:spPr>
-        <p:txBody>
-          <a:bodyPr wrap="square" rtlCol="0">
-            <a:spAutoFit/>
-          </a:bodyPr>
-          <a:lstStyle/>
-          <a:p>
-            <a:r>
-              <a:rPr lang="en-US" b="1" dirty="0"/>
-              <a:t>Stacking Ensemble Accuracy by Classifier</a:t>
-            </a:r>
-            <a:endParaRPr lang="en-CA" b="1" dirty="0"/>
-          </a:p>
-        </p:txBody>
-      </p:sp>
-      <p:sp>
-        <p:nvSpPr>
-          <p:cNvPr id="15" name="TextBox 14">
-            <a:extLst>
-              <a:ext uri="{FF2B5EF4-FFF2-40B4-BE49-F238E27FC236}">
-                <a16:creationId xmlns:a16="http://schemas.microsoft.com/office/drawing/2014/main" id="{123CE5C2-7072-45F2-8EAF-2EB351F1790B}"/>
-              </a:ext>
-            </a:extLst>
-          </p:cNvPr>
-          <p:cNvSpPr txBox="1"/>
-          <p:nvPr/>
-        </p:nvSpPr>
-        <p:spPr>
-          <a:xfrm flipH="1">
-            <a:off x="1127478" y="810435"/>
-            <a:ext cx="10007600" cy="369332"/>
-          </a:xfrm>
-          <a:prstGeom prst="rect">
-            <a:avLst/>
-          </a:prstGeom>
-          <a:noFill/>
-        </p:spPr>
-        <p:txBody>
-          <a:bodyPr wrap="square" rtlCol="0">
-            <a:spAutoFit/>
-          </a:bodyPr>
-          <a:lstStyle/>
-          <a:p>
-            <a:pPr algn="ctr"/>
-            <a:r>
-              <a:rPr lang="en-US" dirty="0"/>
-              <a:t>Random Forest -&gt; Linear SVC -&gt; Multinomial Naïve Bayes -&gt; </a:t>
-            </a:r>
-            <a:r>
-              <a:rPr lang="en-US" b="1" dirty="0"/>
-              <a:t>Stacking Logistic Regression</a:t>
-            </a:r>
-            <a:endParaRPr lang="en-CA" b="1" dirty="0"/>
-          </a:p>
-        </p:txBody>
-      </p:sp>
     </p:spTree>
     <p:extLst>
       <p:ext uri="{BB962C8B-B14F-4D97-AF65-F5344CB8AC3E}">
@@ -10811,10 +10692,10 @@
       </p:sp>
       <p:pic>
         <p:nvPicPr>
-          <p:cNvPr id="6" name="Picture 5">
+          <p:cNvPr id="2" name="Picture 1">
             <a:extLst>
               <a:ext uri="{FF2B5EF4-FFF2-40B4-BE49-F238E27FC236}">
-                <a16:creationId xmlns:a16="http://schemas.microsoft.com/office/drawing/2014/main" id="{025E80B5-D3B3-4A0E-8288-8A38AFD0B177}"/>
+                <a16:creationId xmlns:a16="http://schemas.microsoft.com/office/drawing/2014/main" id="{96C4F937-B04F-4FB6-B472-37EEA3A305DC}"/>
               </a:ext>
             </a:extLst>
           </p:cNvPr>
@@ -10831,12 +10712,22 @@
         </p:blipFill>
         <p:spPr>
           <a:xfrm>
-            <a:off x="4509632" y="212323"/>
-            <a:ext cx="6844168" cy="6433354"/>
+            <a:off x="2904499" y="212323"/>
+            <a:ext cx="8973802" cy="6106377"/>
           </a:xfrm>
           <a:prstGeom prst="rect">
             <a:avLst/>
           </a:prstGeom>
+          <a:ln>
+            <a:noFill/>
+          </a:ln>
+          <a:effectLst>
+            <a:outerShdw blurRad="292100" dist="139700" dir="2700000" algn="tl" rotWithShape="0">
+              <a:srgbClr val="333333">
+                <a:alpha val="65000"/>
+              </a:srgbClr>
+            </a:outerShdw>
+          </a:effectLst>
         </p:spPr>
       </p:pic>
     </p:spTree>
@@ -10907,10 +10798,10 @@
       </p:sp>
       <p:pic>
         <p:nvPicPr>
-          <p:cNvPr id="6" name="Picture 5">
+          <p:cNvPr id="3" name="Picture 2">
             <a:extLst>
               <a:ext uri="{FF2B5EF4-FFF2-40B4-BE49-F238E27FC236}">
-                <a16:creationId xmlns:a16="http://schemas.microsoft.com/office/drawing/2014/main" id="{94813B44-789D-4E22-837C-5760F0AB96EC}"/>
+                <a16:creationId xmlns:a16="http://schemas.microsoft.com/office/drawing/2014/main" id="{F3E86123-CCFF-46C6-9D12-2F143FC98AC7}"/>
               </a:ext>
             </a:extLst>
           </p:cNvPr>
@@ -10927,8 +10818,38 @@
         </p:blipFill>
         <p:spPr>
           <a:xfrm>
-            <a:off x="734318" y="1347496"/>
-            <a:ext cx="11181827" cy="4685003"/>
+            <a:off x="10601266" y="1095375"/>
+            <a:ext cx="838317" cy="1038370"/>
+          </a:xfrm>
+          <a:prstGeom prst="rect">
+            <a:avLst/>
+          </a:prstGeom>
+        </p:spPr>
+      </p:pic>
+      <p:pic>
+        <p:nvPicPr>
+          <p:cNvPr id="4" name="Picture 3">
+            <a:extLst>
+              <a:ext uri="{FF2B5EF4-FFF2-40B4-BE49-F238E27FC236}">
+                <a16:creationId xmlns:a16="http://schemas.microsoft.com/office/drawing/2014/main" id="{BE12B169-0562-40AF-A819-B355845BFB36}"/>
+              </a:ext>
+            </a:extLst>
+          </p:cNvPr>
+          <p:cNvPicPr>
+            <a:picLocks noChangeAspect="1"/>
+          </p:cNvPicPr>
+          <p:nvPr/>
+        </p:nvPicPr>
+        <p:blipFill>
+          <a:blip r:embed="rId4"/>
+          <a:stretch>
+            <a:fillRect/>
+          </a:stretch>
+        </p:blipFill>
+        <p:spPr>
+          <a:xfrm>
+            <a:off x="1490662" y="1095375"/>
+            <a:ext cx="8910638" cy="5326654"/>
           </a:xfrm>
           <a:prstGeom prst="rect">
             <a:avLst/>
@@ -11003,10 +10924,10 @@
       </p:sp>
       <p:pic>
         <p:nvPicPr>
-          <p:cNvPr id="8" name="Picture 7">
+          <p:cNvPr id="3" name="Picture 2">
             <a:extLst>
               <a:ext uri="{FF2B5EF4-FFF2-40B4-BE49-F238E27FC236}">
-                <a16:creationId xmlns:a16="http://schemas.microsoft.com/office/drawing/2014/main" id="{3E30AA43-74B3-467E-A8F5-DBD3B6E6D231}"/>
+                <a16:creationId xmlns:a16="http://schemas.microsoft.com/office/drawing/2014/main" id="{86951C0D-F079-4152-8FDE-7DAAFA255CC3}"/>
               </a:ext>
             </a:extLst>
           </p:cNvPr>
@@ -11023,8 +10944,8 @@
         </p:blipFill>
         <p:spPr>
           <a:xfrm>
-            <a:off x="1332541" y="1096670"/>
-            <a:ext cx="9526917" cy="4961230"/>
+            <a:off x="1590046" y="1042654"/>
+            <a:ext cx="9011908" cy="4772691"/>
           </a:xfrm>
           <a:prstGeom prst="rect">
             <a:avLst/>
@@ -11045,6 +10966,254 @@
 </file>
 
 <file path=ppt/slides/slide19.xml><?xml version="1.0" encoding="utf-8"?>
+<p:sld xmlns:a="http://schemas.openxmlformats.org/drawingml/2006/main" xmlns:r="http://schemas.openxmlformats.org/officeDocument/2006/relationships" xmlns:p="http://schemas.openxmlformats.org/presentationml/2006/main">
+  <p:cSld>
+    <p:spTree>
+      <p:nvGrpSpPr>
+        <p:cNvPr id="1" name=""/>
+        <p:cNvGrpSpPr/>
+        <p:nvPr/>
+      </p:nvGrpSpPr>
+      <p:grpSpPr>
+        <a:xfrm>
+          <a:off x="0" y="0"/>
+          <a:ext cx="0" cy="0"/>
+          <a:chOff x="0" y="0"/>
+          <a:chExt cx="0" cy="0"/>
+        </a:xfrm>
+      </p:grpSpPr>
+      <p:sp>
+        <p:nvSpPr>
+          <p:cNvPr id="5" name="Title 4">
+            <a:extLst>
+              <a:ext uri="{FF2B5EF4-FFF2-40B4-BE49-F238E27FC236}">
+                <a16:creationId xmlns:a16="http://schemas.microsoft.com/office/drawing/2014/main" id="{AD80C4ED-CCAF-4436-B628-F92797639293}"/>
+              </a:ext>
+            </a:extLst>
+          </p:cNvPr>
+          <p:cNvSpPr>
+            <a:spLocks noGrp="1"/>
+          </p:cNvSpPr>
+          <p:nvPr>
+            <p:ph type="title"/>
+          </p:nvPr>
+        </p:nvSpPr>
+        <p:spPr>
+          <a:xfrm>
+            <a:off x="838200" y="365126"/>
+            <a:ext cx="10515600" cy="692150"/>
+          </a:xfrm>
+        </p:spPr>
+        <p:txBody>
+          <a:bodyPr>
+            <a:normAutofit fontScale="90000"/>
+          </a:bodyPr>
+          <a:lstStyle/>
+          <a:p>
+            <a:r>
+              <a:rPr lang="en-US" b="1" dirty="0"/>
+              <a:t>Visualization of  F1 Score Variance by Model Type</a:t>
+            </a:r>
+            <a:endParaRPr lang="en-CA" dirty="0"/>
+          </a:p>
+        </p:txBody>
+      </p:sp>
+      <p:pic>
+        <p:nvPicPr>
+          <p:cNvPr id="6" name="Picture 5">
+            <a:extLst>
+              <a:ext uri="{FF2B5EF4-FFF2-40B4-BE49-F238E27FC236}">
+                <a16:creationId xmlns:a16="http://schemas.microsoft.com/office/drawing/2014/main" id="{B46D0DF2-B870-4534-A1F6-D22CA1F31CDC}"/>
+              </a:ext>
+            </a:extLst>
+          </p:cNvPr>
+          <p:cNvPicPr>
+            <a:picLocks noChangeAspect="1"/>
+          </p:cNvPicPr>
+          <p:nvPr/>
+        </p:nvPicPr>
+        <p:blipFill>
+          <a:blip r:embed="rId2"/>
+          <a:stretch>
+            <a:fillRect/>
+          </a:stretch>
+        </p:blipFill>
+        <p:spPr>
+          <a:xfrm>
+            <a:off x="1033462" y="1057276"/>
+            <a:ext cx="10125075" cy="5062537"/>
+          </a:xfrm>
+          <a:prstGeom prst="rect">
+            <a:avLst/>
+          </a:prstGeom>
+          <a:ln>
+            <a:noFill/>
+          </a:ln>
+          <a:effectLst>
+            <a:outerShdw blurRad="292100" dist="139700" dir="2700000" algn="tl" rotWithShape="0">
+              <a:srgbClr val="333333">
+                <a:alpha val="65000"/>
+              </a:srgbClr>
+            </a:outerShdw>
+          </a:effectLst>
+        </p:spPr>
+      </p:pic>
+    </p:spTree>
+    <p:extLst>
+      <p:ext uri="{BB962C8B-B14F-4D97-AF65-F5344CB8AC3E}">
+        <p14:creationId xmlns:p14="http://schemas.microsoft.com/office/powerpoint/2010/main" val="642911829"/>
+      </p:ext>
+    </p:extLst>
+  </p:cSld>
+  <p:clrMapOvr>
+    <a:masterClrMapping/>
+  </p:clrMapOvr>
+</p:sld>
+</file>
+
+<file path=ppt/slides/slide2.xml><?xml version="1.0" encoding="utf-8"?>
+<p:sld xmlns:a="http://schemas.openxmlformats.org/drawingml/2006/main" xmlns:r="http://schemas.openxmlformats.org/officeDocument/2006/relationships" xmlns:p="http://schemas.openxmlformats.org/presentationml/2006/main">
+  <p:cSld>
+    <p:spTree>
+      <p:nvGrpSpPr>
+        <p:cNvPr id="1" name=""/>
+        <p:cNvGrpSpPr/>
+        <p:nvPr/>
+      </p:nvGrpSpPr>
+      <p:grpSpPr>
+        <a:xfrm>
+          <a:off x="0" y="0"/>
+          <a:ext cx="0" cy="0"/>
+          <a:chOff x="0" y="0"/>
+          <a:chExt cx="0" cy="0"/>
+        </a:xfrm>
+      </p:grpSpPr>
+      <p:sp>
+        <p:nvSpPr>
+          <p:cNvPr id="4" name="Title 3">
+            <a:extLst>
+              <a:ext uri="{FF2B5EF4-FFF2-40B4-BE49-F238E27FC236}">
+                <a16:creationId xmlns:a16="http://schemas.microsoft.com/office/drawing/2014/main" id="{311E55CB-BA9F-49CC-844D-A22FA095A609}"/>
+              </a:ext>
+            </a:extLst>
+          </p:cNvPr>
+          <p:cNvSpPr>
+            <a:spLocks noGrp="1"/>
+          </p:cNvSpPr>
+          <p:nvPr>
+            <p:ph type="title"/>
+          </p:nvPr>
+        </p:nvSpPr>
+        <p:spPr/>
+        <p:txBody>
+          <a:bodyPr/>
+          <a:lstStyle/>
+          <a:p>
+            <a:r>
+              <a:rPr lang="en-US" dirty="0"/>
+              <a:t>CSML1010 – Milestone 2</a:t>
+            </a:r>
+            <a:endParaRPr lang="en-CA" dirty="0"/>
+          </a:p>
+        </p:txBody>
+      </p:sp>
+      <p:sp>
+        <p:nvSpPr>
+          <p:cNvPr id="5" name="Content Placeholder 4">
+            <a:extLst>
+              <a:ext uri="{FF2B5EF4-FFF2-40B4-BE49-F238E27FC236}">
+                <a16:creationId xmlns:a16="http://schemas.microsoft.com/office/drawing/2014/main" id="{CCEDE552-9463-4CD8-8C88-2214A514F6F2}"/>
+              </a:ext>
+            </a:extLst>
+          </p:cNvPr>
+          <p:cNvSpPr>
+            <a:spLocks noGrp="1"/>
+          </p:cNvSpPr>
+          <p:nvPr>
+            <p:ph idx="1"/>
+          </p:nvPr>
+        </p:nvSpPr>
+        <p:spPr>
+          <a:xfrm>
+            <a:off x="838200" y="1825625"/>
+            <a:ext cx="10528300" cy="4351338"/>
+          </a:xfrm>
+        </p:spPr>
+        <p:txBody>
+          <a:bodyPr>
+            <a:normAutofit/>
+          </a:bodyPr>
+          <a:lstStyle/>
+          <a:p>
+            <a:r>
+              <a:rPr lang="en-US" sz="2000" dirty="0"/>
+              <a:t>Dataset: Taskmaster-1 from Google</a:t>
+            </a:r>
+          </a:p>
+          <a:p>
+            <a:r>
+              <a:rPr lang="en-US" sz="2000" dirty="0"/>
+              <a:t>NLP Multi-Class Text Classification Problem</a:t>
+            </a:r>
+          </a:p>
+          <a:p>
+            <a:r>
+              <a:rPr lang="en-US" sz="2000" dirty="0"/>
+              <a:t>Data Preparation</a:t>
+            </a:r>
+          </a:p>
+          <a:p>
+            <a:r>
+              <a:rPr lang="en-US" sz="2000" dirty="0"/>
+              <a:t>Data Clean Up</a:t>
+            </a:r>
+          </a:p>
+          <a:p>
+            <a:r>
+              <a:rPr lang="en-US" sz="2000" dirty="0"/>
+              <a:t>Exploratory Data Analysis</a:t>
+            </a:r>
+          </a:p>
+          <a:p>
+            <a:r>
+              <a:rPr lang="en-US" sz="2000" dirty="0"/>
+              <a:t>Feature Extraction &amp; Engineering</a:t>
+            </a:r>
+          </a:p>
+          <a:p>
+            <a:r>
+              <a:rPr lang="en-US" sz="2000" dirty="0"/>
+              <a:t>Feature Scaling &amp; Selection</a:t>
+            </a:r>
+          </a:p>
+          <a:p>
+            <a:r>
+              <a:rPr lang="en-US" b="1" dirty="0"/>
+              <a:t>Modeling </a:t>
+            </a:r>
+          </a:p>
+          <a:p>
+            <a:r>
+              <a:rPr lang="en-US" b="1" dirty="0"/>
+              <a:t>Model Evaluation &amp; Tuning</a:t>
+            </a:r>
+          </a:p>
+        </p:txBody>
+      </p:sp>
+    </p:spTree>
+    <p:extLst>
+      <p:ext uri="{BB962C8B-B14F-4D97-AF65-F5344CB8AC3E}">
+        <p14:creationId xmlns:p14="http://schemas.microsoft.com/office/powerpoint/2010/main" val="1220763550"/>
+      </p:ext>
+    </p:extLst>
+  </p:cSld>
+  <p:clrMapOvr>
+    <a:masterClrMapping/>
+  </p:clrMapOvr>
+</p:sld>
+</file>
+
+<file path=ppt/slides/slide20.xml><?xml version="1.0" encoding="utf-8"?>
 <p:sld xmlns:a="http://schemas.openxmlformats.org/drawingml/2006/main" xmlns:r="http://schemas.openxmlformats.org/officeDocument/2006/relationships" xmlns:p="http://schemas.openxmlformats.org/presentationml/2006/main">
   <p:cSld>
     <p:spTree>
@@ -11615,148 +11784,6 @@
     <p:extLst>
       <p:ext uri="{BB962C8B-B14F-4D97-AF65-F5344CB8AC3E}">
         <p14:creationId xmlns:p14="http://schemas.microsoft.com/office/powerpoint/2010/main" val="1819989284"/>
-      </p:ext>
-    </p:extLst>
-  </p:cSld>
-  <p:clrMapOvr>
-    <a:masterClrMapping/>
-  </p:clrMapOvr>
-</p:sld>
-</file>
-
-<file path=ppt/slides/slide2.xml><?xml version="1.0" encoding="utf-8"?>
-<p:sld xmlns:a="http://schemas.openxmlformats.org/drawingml/2006/main" xmlns:r="http://schemas.openxmlformats.org/officeDocument/2006/relationships" xmlns:p="http://schemas.openxmlformats.org/presentationml/2006/main">
-  <p:cSld>
-    <p:spTree>
-      <p:nvGrpSpPr>
-        <p:cNvPr id="1" name=""/>
-        <p:cNvGrpSpPr/>
-        <p:nvPr/>
-      </p:nvGrpSpPr>
-      <p:grpSpPr>
-        <a:xfrm>
-          <a:off x="0" y="0"/>
-          <a:ext cx="0" cy="0"/>
-          <a:chOff x="0" y="0"/>
-          <a:chExt cx="0" cy="0"/>
-        </a:xfrm>
-      </p:grpSpPr>
-      <p:sp>
-        <p:nvSpPr>
-          <p:cNvPr id="4" name="Title 3">
-            <a:extLst>
-              <a:ext uri="{FF2B5EF4-FFF2-40B4-BE49-F238E27FC236}">
-                <a16:creationId xmlns:a16="http://schemas.microsoft.com/office/drawing/2014/main" id="{311E55CB-BA9F-49CC-844D-A22FA095A609}"/>
-              </a:ext>
-            </a:extLst>
-          </p:cNvPr>
-          <p:cNvSpPr>
-            <a:spLocks noGrp="1"/>
-          </p:cNvSpPr>
-          <p:nvPr>
-            <p:ph type="title"/>
-          </p:nvPr>
-        </p:nvSpPr>
-        <p:spPr/>
-        <p:txBody>
-          <a:bodyPr/>
-          <a:lstStyle/>
-          <a:p>
-            <a:r>
-              <a:rPr lang="en-US" dirty="0"/>
-              <a:t>CSML1010 – Milestone 2</a:t>
-            </a:r>
-            <a:endParaRPr lang="en-CA" dirty="0"/>
-          </a:p>
-        </p:txBody>
-      </p:sp>
-      <p:sp>
-        <p:nvSpPr>
-          <p:cNvPr id="5" name="Content Placeholder 4">
-            <a:extLst>
-              <a:ext uri="{FF2B5EF4-FFF2-40B4-BE49-F238E27FC236}">
-                <a16:creationId xmlns:a16="http://schemas.microsoft.com/office/drawing/2014/main" id="{CCEDE552-9463-4CD8-8C88-2214A514F6F2}"/>
-              </a:ext>
-            </a:extLst>
-          </p:cNvPr>
-          <p:cNvSpPr>
-            <a:spLocks noGrp="1"/>
-          </p:cNvSpPr>
-          <p:nvPr>
-            <p:ph idx="1"/>
-          </p:nvPr>
-        </p:nvSpPr>
-        <p:spPr>
-          <a:xfrm>
-            <a:off x="838200" y="1825625"/>
-            <a:ext cx="10528300" cy="4351338"/>
-          </a:xfrm>
-        </p:spPr>
-        <p:txBody>
-          <a:bodyPr>
-            <a:normAutofit/>
-          </a:bodyPr>
-          <a:lstStyle/>
-          <a:p>
-            <a:r>
-              <a:rPr lang="en-US" sz="2000" dirty="0"/>
-              <a:t>Dataset: Taskmaster-1 from Google</a:t>
-            </a:r>
-          </a:p>
-          <a:p>
-            <a:r>
-              <a:rPr lang="en-US" sz="2000" dirty="0"/>
-              <a:t>NLP Multi-Class Text Classification Problem</a:t>
-            </a:r>
-          </a:p>
-          <a:p>
-            <a:r>
-              <a:rPr lang="en-US" sz="2000" dirty="0"/>
-              <a:t>Data Preparation</a:t>
-            </a:r>
-          </a:p>
-          <a:p>
-            <a:r>
-              <a:rPr lang="en-US" sz="2000" dirty="0"/>
-              <a:t>Data Clean Up</a:t>
-            </a:r>
-          </a:p>
-          <a:p>
-            <a:r>
-              <a:rPr lang="en-US" sz="2000" dirty="0"/>
-              <a:t>Exploratory Data Analysis</a:t>
-            </a:r>
-          </a:p>
-          <a:p>
-            <a:r>
-              <a:rPr lang="en-US" sz="2000" dirty="0"/>
-              <a:t>Feature Extraction &amp; Engineering</a:t>
-            </a:r>
-          </a:p>
-          <a:p>
-            <a:r>
-              <a:rPr lang="en-US" sz="2000" dirty="0"/>
-              <a:t>Feature Scaling &amp; Selection</a:t>
-            </a:r>
-          </a:p>
-          <a:p>
-            <a:r>
-              <a:rPr lang="en-US" b="1" dirty="0"/>
-              <a:t>Modeling </a:t>
-            </a:r>
-          </a:p>
-          <a:p>
-            <a:r>
-              <a:rPr lang="en-US" b="1" dirty="0"/>
-              <a:t>Model Evaluation &amp; Tuning</a:t>
-            </a:r>
-          </a:p>
-        </p:txBody>
-      </p:sp>
-    </p:spTree>
-    <p:extLst>
-      <p:ext uri="{BB962C8B-B14F-4D97-AF65-F5344CB8AC3E}">
-        <p14:creationId xmlns:p14="http://schemas.microsoft.com/office/powerpoint/2010/main" val="1220763550"/>
       </p:ext>
     </p:extLst>
   </p:cSld>
@@ -14181,12 +14208,83 @@
           </a:p>
         </p:txBody>
       </p:sp>
+      <p:sp>
+        <p:nvSpPr>
+          <p:cNvPr id="6" name="TextBox 5">
+            <a:extLst>
+              <a:ext uri="{FF2B5EF4-FFF2-40B4-BE49-F238E27FC236}">
+                <a16:creationId xmlns:a16="http://schemas.microsoft.com/office/drawing/2014/main" id="{E80B6B06-ED46-4F48-A2A3-89448748576E}"/>
+              </a:ext>
+            </a:extLst>
+          </p:cNvPr>
+          <p:cNvSpPr txBox="1"/>
+          <p:nvPr/>
+        </p:nvSpPr>
+        <p:spPr>
+          <a:xfrm>
+            <a:off x="166577" y="4551034"/>
+            <a:ext cx="5475767" cy="1477328"/>
+          </a:xfrm>
+          <a:prstGeom prst="rect">
+            <a:avLst/>
+          </a:prstGeom>
+          <a:noFill/>
+        </p:spPr>
+        <p:txBody>
+          <a:bodyPr wrap="square" rtlCol="0">
+            <a:spAutoFit/>
+          </a:bodyPr>
+          <a:lstStyle/>
+          <a:p>
+            <a:pPr marL="285750" indent="-285750">
+              <a:buFont typeface="Arial" panose="020B0604020202020204" pitchFamily="34" charset="0"/>
+              <a:buChar char="•"/>
+            </a:pPr>
+            <a:r>
+              <a:rPr lang="en-US" b="1" dirty="0"/>
+              <a:t>Baseline</a:t>
+            </a:r>
+            <a:r>
+              <a:rPr lang="en-US" dirty="0"/>
+              <a:t>: Bag of Words Features</a:t>
+            </a:r>
+          </a:p>
+          <a:p>
+            <a:pPr marL="285750" indent="-285750">
+              <a:buFont typeface="Arial" panose="020B0604020202020204" pitchFamily="34" charset="0"/>
+              <a:buChar char="•"/>
+            </a:pPr>
+            <a:r>
+              <a:rPr lang="en-US" b="1" dirty="0"/>
+              <a:t>Optimized</a:t>
+            </a:r>
+            <a:r>
+              <a:rPr lang="en-US" dirty="0"/>
+              <a:t>: Bag of Words using Univariate Chi</a:t>
+            </a:r>
+            <a:r>
+              <a:rPr lang="en-US" baseline="30000" dirty="0"/>
+              <a:t>2 </a:t>
+            </a:r>
+            <a:r>
+              <a:rPr lang="en-US" dirty="0"/>
+              <a:t>feature selection method</a:t>
+            </a:r>
+          </a:p>
+          <a:p>
+            <a:endParaRPr lang="en-US" dirty="0"/>
+          </a:p>
+          <a:p>
+            <a:endParaRPr lang="en-CA" dirty="0"/>
+          </a:p>
+        </p:txBody>
+      </p:sp>
       <p:pic>
         <p:nvPicPr>
-          <p:cNvPr id="4" name="Picture 3">
+          <p:cNvPr id="5" name="Picture 4">
             <a:extLst>
               <a:ext uri="{FF2B5EF4-FFF2-40B4-BE49-F238E27FC236}">
-                <a16:creationId xmlns:a16="http://schemas.microsoft.com/office/drawing/2014/main" id="{D847C712-DB60-4F11-AAEE-0059FBAE6D20}"/>
+                <a16:creationId xmlns:a16="http://schemas.microsoft.com/office/drawing/2014/main" id="{6E6336C9-4D8B-4F0B-A589-747784B6A414}"/>
               </a:ext>
             </a:extLst>
           </p:cNvPr>
@@ -14203,8 +14301,8 @@
         </p:blipFill>
         <p:spPr>
           <a:xfrm>
-            <a:off x="182235" y="1568302"/>
-            <a:ext cx="5754711" cy="2674089"/>
+            <a:off x="6005371" y="1562544"/>
+            <a:ext cx="6020052" cy="3076132"/>
           </a:xfrm>
           <a:prstGeom prst="rect">
             <a:avLst/>
@@ -14221,83 +14319,12 @@
           </a:effectLst>
         </p:spPr>
       </p:pic>
-      <p:sp>
-        <p:nvSpPr>
-          <p:cNvPr id="6" name="TextBox 5">
+      <p:pic>
+        <p:nvPicPr>
+          <p:cNvPr id="7" name="Picture 6">
             <a:extLst>
               <a:ext uri="{FF2B5EF4-FFF2-40B4-BE49-F238E27FC236}">
-                <a16:creationId xmlns:a16="http://schemas.microsoft.com/office/drawing/2014/main" id="{E80B6B06-ED46-4F48-A2A3-89448748576E}"/>
-              </a:ext>
-            </a:extLst>
-          </p:cNvPr>
-          <p:cNvSpPr txBox="1"/>
-          <p:nvPr/>
-        </p:nvSpPr>
-        <p:spPr>
-          <a:xfrm>
-            <a:off x="166577" y="4551034"/>
-            <a:ext cx="5475767" cy="1477328"/>
-          </a:xfrm>
-          <a:prstGeom prst="rect">
-            <a:avLst/>
-          </a:prstGeom>
-          <a:noFill/>
-        </p:spPr>
-        <p:txBody>
-          <a:bodyPr wrap="square" rtlCol="0">
-            <a:spAutoFit/>
-          </a:bodyPr>
-          <a:lstStyle/>
-          <a:p>
-            <a:pPr marL="285750" indent="-285750">
-              <a:buFont typeface="Arial" panose="020B0604020202020204" pitchFamily="34" charset="0"/>
-              <a:buChar char="•"/>
-            </a:pPr>
-            <a:r>
-              <a:rPr lang="en-US" b="1" dirty="0"/>
-              <a:t>Baseline</a:t>
-            </a:r>
-            <a:r>
-              <a:rPr lang="en-US" dirty="0"/>
-              <a:t>: Bag of Words Features</a:t>
-            </a:r>
-          </a:p>
-          <a:p>
-            <a:pPr marL="285750" indent="-285750">
-              <a:buFont typeface="Arial" panose="020B0604020202020204" pitchFamily="34" charset="0"/>
-              <a:buChar char="•"/>
-            </a:pPr>
-            <a:r>
-              <a:rPr lang="en-US" b="1" dirty="0"/>
-              <a:t>Optimized</a:t>
-            </a:r>
-            <a:r>
-              <a:rPr lang="en-US" dirty="0"/>
-              <a:t>: Bag of Words using Univariate Chi</a:t>
-            </a:r>
-            <a:r>
-              <a:rPr lang="en-US" baseline="30000" dirty="0"/>
-              <a:t>2 </a:t>
-            </a:r>
-            <a:r>
-              <a:rPr lang="en-US" dirty="0"/>
-              <a:t>feature selection method</a:t>
-            </a:r>
-          </a:p>
-          <a:p>
-            <a:endParaRPr lang="en-US" dirty="0"/>
-          </a:p>
-          <a:p>
-            <a:endParaRPr lang="en-CA" dirty="0"/>
-          </a:p>
-        </p:txBody>
-      </p:sp>
-      <p:pic>
-        <p:nvPicPr>
-          <p:cNvPr id="3" name="Picture 2">
-            <a:extLst>
-              <a:ext uri="{FF2B5EF4-FFF2-40B4-BE49-F238E27FC236}">
-                <a16:creationId xmlns:a16="http://schemas.microsoft.com/office/drawing/2014/main" id="{B538E11E-0F05-45C5-9A94-534873DC56D0}"/>
+                <a16:creationId xmlns:a16="http://schemas.microsoft.com/office/drawing/2014/main" id="{E739F819-68AA-4E24-839C-A78812B5664D}"/>
               </a:ext>
             </a:extLst>
           </p:cNvPr>
@@ -14314,8 +14341,8 @@
         </p:blipFill>
         <p:spPr>
           <a:xfrm>
-            <a:off x="6096000" y="1552353"/>
-            <a:ext cx="5852900" cy="4104168"/>
+            <a:off x="250954" y="1562544"/>
+            <a:ext cx="5572903" cy="2562583"/>
           </a:xfrm>
           <a:prstGeom prst="rect">
             <a:avLst/>

--- a/CSML1010_Group3_Project_Milestone02.pptx
+++ b/CSML1010_Group3_Project_Milestone02.pptx
@@ -5,7 +5,7 @@
     <p:sldMasterId id="2147483648" r:id="rId1"/>
   </p:sldMasterIdLst>
   <p:notesMasterIdLst>
-    <p:notesMasterId r:id="rId22"/>
+    <p:notesMasterId r:id="rId21"/>
   </p:notesMasterIdLst>
   <p:sldIdLst>
     <p:sldId id="257" r:id="rId2"/>
@@ -23,11 +23,10 @@
     <p:sldId id="303" r:id="rId14"/>
     <p:sldId id="310" r:id="rId15"/>
     <p:sldId id="307" r:id="rId16"/>
-    <p:sldId id="309" r:id="rId17"/>
+    <p:sldId id="312" r:id="rId17"/>
     <p:sldId id="305" r:id="rId18"/>
-    <p:sldId id="308" r:id="rId19"/>
-    <p:sldId id="311" r:id="rId20"/>
-    <p:sldId id="296" r:id="rId21"/>
+    <p:sldId id="311" r:id="rId19"/>
+    <p:sldId id="296" r:id="rId20"/>
   </p:sldIdLst>
   <p:sldSz cx="12192000" cy="6858000"/>
   <p:notesSz cx="6858000" cy="9144000"/>
@@ -3584,7 +3583,7 @@
           <a:p>
             <a:fld id="{E6317E0B-A3D3-495C-A4A5-504BD0130225}" type="datetimeFigureOut">
               <a:rPr lang="en-CA" smtClean="0"/>
-              <a:t>2020-05-01</a:t>
+              <a:t>2020-05-02</a:t>
             </a:fld>
             <a:endParaRPr lang="en-CA"/>
           </a:p>
@@ -3980,10 +3979,7 @@
           <a:bodyPr/>
           <a:lstStyle/>
           <a:p>
-            <a:r>
-              <a:rPr lang="en-US" dirty="0"/>
-              <a:t>TODO:  </a:t>
-            </a:r>
+            <a:endParaRPr lang="en-US" dirty="0"/>
           </a:p>
         </p:txBody>
       </p:sp>
@@ -4067,10 +4063,7 @@
           <a:bodyPr/>
           <a:lstStyle/>
           <a:p>
-            <a:r>
-              <a:rPr lang="en-US" dirty="0"/>
-              <a:t>TODO: </a:t>
-            </a:r>
+            <a:endParaRPr lang="en-US" dirty="0"/>
           </a:p>
         </p:txBody>
       </p:sp>
@@ -4154,10 +4147,7 @@
           <a:bodyPr/>
           <a:lstStyle/>
           <a:p>
-            <a:r>
-              <a:rPr lang="en-US" dirty="0"/>
-              <a:t>TODO: </a:t>
-            </a:r>
+            <a:endParaRPr lang="en-US" dirty="0"/>
           </a:p>
         </p:txBody>
       </p:sp>
@@ -4241,10 +4231,7 @@
           <a:bodyPr/>
           <a:lstStyle/>
           <a:p>
-            <a:r>
-              <a:rPr lang="en-US" dirty="0"/>
-              <a:t>TODO: </a:t>
-            </a:r>
+            <a:endParaRPr lang="en-US" dirty="0"/>
           </a:p>
         </p:txBody>
       </p:sp>
@@ -4328,10 +4315,7 @@
           <a:bodyPr/>
           <a:lstStyle/>
           <a:p>
-            <a:r>
-              <a:rPr lang="en-US" dirty="0"/>
-              <a:t>TODO: </a:t>
-            </a:r>
+            <a:endParaRPr lang="en-US" dirty="0"/>
           </a:p>
         </p:txBody>
       </p:sp>
@@ -4415,10 +4399,7 @@
           <a:bodyPr/>
           <a:lstStyle/>
           <a:p>
-            <a:r>
-              <a:rPr lang="en-US" dirty="0"/>
-              <a:t>TODO: </a:t>
-            </a:r>
+            <a:endParaRPr lang="en-US" dirty="0"/>
           </a:p>
         </p:txBody>
       </p:sp>
@@ -4502,10 +4483,7 @@
           <a:bodyPr/>
           <a:lstStyle/>
           <a:p>
-            <a:r>
-              <a:rPr lang="en-US" dirty="0"/>
-              <a:t>TODO: </a:t>
-            </a:r>
+            <a:endParaRPr lang="en-CA" dirty="0"/>
           </a:p>
         </p:txBody>
       </p:sp>
@@ -4526,7 +4504,7 @@
           <a:p>
             <a:fld id="{CFED61B6-4A00-4DBB-8E9B-BCC4333A0018}" type="slidenum">
               <a:rPr lang="en-CA" smtClean="0"/>
-              <a:t>17</a:t>
+              <a:t>16</a:t>
             </a:fld>
             <a:endParaRPr lang="en-CA"/>
           </a:p>
@@ -4535,7 +4513,7 @@
     </p:spTree>
     <p:extLst>
       <p:ext uri="{BB962C8B-B14F-4D97-AF65-F5344CB8AC3E}">
-        <p14:creationId xmlns:p14="http://schemas.microsoft.com/office/powerpoint/2010/main" val="2857454703"/>
+        <p14:creationId xmlns:p14="http://schemas.microsoft.com/office/powerpoint/2010/main" val="3602966563"/>
       </p:ext>
     </p:extLst>
   </p:cSld>
@@ -4589,10 +4567,7 @@
           <a:bodyPr/>
           <a:lstStyle/>
           <a:p>
-            <a:r>
-              <a:rPr lang="en-US" dirty="0"/>
-              <a:t>TODO: </a:t>
-            </a:r>
+            <a:endParaRPr lang="en-US" dirty="0"/>
           </a:p>
         </p:txBody>
       </p:sp>
@@ -4613,7 +4588,7 @@
           <a:p>
             <a:fld id="{CFED61B6-4A00-4DBB-8E9B-BCC4333A0018}" type="slidenum">
               <a:rPr lang="en-CA" smtClean="0"/>
-              <a:t>18</a:t>
+              <a:t>17</a:t>
             </a:fld>
             <a:endParaRPr lang="en-CA"/>
           </a:p>
@@ -4622,7 +4597,7 @@
     </p:spTree>
     <p:extLst>
       <p:ext uri="{BB962C8B-B14F-4D97-AF65-F5344CB8AC3E}">
-        <p14:creationId xmlns:p14="http://schemas.microsoft.com/office/powerpoint/2010/main" val="2425153656"/>
+        <p14:creationId xmlns:p14="http://schemas.microsoft.com/office/powerpoint/2010/main" val="2857454703"/>
       </p:ext>
     </p:extLst>
   </p:cSld>
@@ -4713,7 +4688,7 @@
           <a:p>
             <a:fld id="{CFED61B6-4A00-4DBB-8E9B-BCC4333A0018}" type="slidenum">
               <a:rPr lang="en-CA" smtClean="0"/>
-              <a:t>20</a:t>
+              <a:t>19</a:t>
             </a:fld>
             <a:endParaRPr lang="en-CA"/>
           </a:p>
@@ -5028,10 +5003,7 @@
           <a:bodyPr/>
           <a:lstStyle/>
           <a:p>
-            <a:r>
-              <a:rPr lang="en-US" dirty="0"/>
-              <a:t>]</a:t>
-            </a:r>
+            <a:endParaRPr lang="en-US" dirty="0"/>
           </a:p>
           <a:p>
             <a:endParaRPr lang="en-CA" dirty="0"/>
@@ -5370,22 +5342,6 @@
           <a:bodyPr/>
           <a:lstStyle/>
           <a:p>
-            <a:r>
-              <a:rPr lang="en-US" dirty="0"/>
-              <a:t>TODO: </a:t>
-            </a:r>
-          </a:p>
-          <a:p>
-            <a:r>
-              <a:rPr lang="en-US" dirty="0"/>
-              <a:t>Review Title “Models Benchmark Comparison” is this ok?</a:t>
-            </a:r>
-          </a:p>
-          <a:p>
-            <a:r>
-              <a:rPr lang="en-US" dirty="0"/>
-              <a:t>Change the graph with the last run with the stops included</a:t>
-            </a:r>
             <a:endParaRPr lang="en-CA" dirty="0"/>
           </a:p>
         </p:txBody>
@@ -5575,7 +5531,7 @@
           <a:p>
             <a:fld id="{41214EFD-F6C2-4FF2-A372-B412D13DB261}" type="datetimeFigureOut">
               <a:rPr lang="en-CA" smtClean="0"/>
-              <a:t>2020-05-01</a:t>
+              <a:t>2020-05-02</a:t>
             </a:fld>
             <a:endParaRPr lang="en-CA"/>
           </a:p>
@@ -5775,7 +5731,7 @@
           <a:p>
             <a:fld id="{41214EFD-F6C2-4FF2-A372-B412D13DB261}" type="datetimeFigureOut">
               <a:rPr lang="en-CA" smtClean="0"/>
-              <a:t>2020-05-01</a:t>
+              <a:t>2020-05-02</a:t>
             </a:fld>
             <a:endParaRPr lang="en-CA"/>
           </a:p>
@@ -5985,7 +5941,7 @@
           <a:p>
             <a:fld id="{41214EFD-F6C2-4FF2-A372-B412D13DB261}" type="datetimeFigureOut">
               <a:rPr lang="en-CA" smtClean="0"/>
-              <a:t>2020-05-01</a:t>
+              <a:t>2020-05-02</a:t>
             </a:fld>
             <a:endParaRPr lang="en-CA"/>
           </a:p>
@@ -6185,7 +6141,7 @@
           <a:p>
             <a:fld id="{41214EFD-F6C2-4FF2-A372-B412D13DB261}" type="datetimeFigureOut">
               <a:rPr lang="en-CA" smtClean="0"/>
-              <a:t>2020-05-01</a:t>
+              <a:t>2020-05-02</a:t>
             </a:fld>
             <a:endParaRPr lang="en-CA"/>
           </a:p>
@@ -6461,7 +6417,7 @@
           <a:p>
             <a:fld id="{41214EFD-F6C2-4FF2-A372-B412D13DB261}" type="datetimeFigureOut">
               <a:rPr lang="en-CA" smtClean="0"/>
-              <a:t>2020-05-01</a:t>
+              <a:t>2020-05-02</a:t>
             </a:fld>
             <a:endParaRPr lang="en-CA"/>
           </a:p>
@@ -6729,7 +6685,7 @@
           <a:p>
             <a:fld id="{41214EFD-F6C2-4FF2-A372-B412D13DB261}" type="datetimeFigureOut">
               <a:rPr lang="en-CA" smtClean="0"/>
-              <a:t>2020-05-01</a:t>
+              <a:t>2020-05-02</a:t>
             </a:fld>
             <a:endParaRPr lang="en-CA"/>
           </a:p>
@@ -7144,7 +7100,7 @@
           <a:p>
             <a:fld id="{41214EFD-F6C2-4FF2-A372-B412D13DB261}" type="datetimeFigureOut">
               <a:rPr lang="en-CA" smtClean="0"/>
-              <a:t>2020-05-01</a:t>
+              <a:t>2020-05-02</a:t>
             </a:fld>
             <a:endParaRPr lang="en-CA"/>
           </a:p>
@@ -7286,7 +7242,7 @@
           <a:p>
             <a:fld id="{41214EFD-F6C2-4FF2-A372-B412D13DB261}" type="datetimeFigureOut">
               <a:rPr lang="en-CA" smtClean="0"/>
-              <a:t>2020-05-01</a:t>
+              <a:t>2020-05-02</a:t>
             </a:fld>
             <a:endParaRPr lang="en-CA"/>
           </a:p>
@@ -7399,7 +7355,7 @@
           <a:p>
             <a:fld id="{41214EFD-F6C2-4FF2-A372-B412D13DB261}" type="datetimeFigureOut">
               <a:rPr lang="en-CA" smtClean="0"/>
-              <a:t>2020-05-01</a:t>
+              <a:t>2020-05-02</a:t>
             </a:fld>
             <a:endParaRPr lang="en-CA"/>
           </a:p>
@@ -7712,7 +7668,7 @@
           <a:p>
             <a:fld id="{41214EFD-F6C2-4FF2-A372-B412D13DB261}" type="datetimeFigureOut">
               <a:rPr lang="en-CA" smtClean="0"/>
-              <a:t>2020-05-01</a:t>
+              <a:t>2020-05-02</a:t>
             </a:fld>
             <a:endParaRPr lang="en-CA"/>
           </a:p>
@@ -8001,7 +7957,7 @@
           <a:p>
             <a:fld id="{41214EFD-F6C2-4FF2-A372-B412D13DB261}" type="datetimeFigureOut">
               <a:rPr lang="en-CA" smtClean="0"/>
-              <a:t>2020-05-01</a:t>
+              <a:t>2020-05-02</a:t>
             </a:fld>
             <a:endParaRPr lang="en-CA"/>
           </a:p>
@@ -8244,7 +8200,7 @@
           <a:p>
             <a:fld id="{41214EFD-F6C2-4FF2-A372-B412D13DB261}" type="datetimeFigureOut">
               <a:rPr lang="en-CA" smtClean="0"/>
-              <a:t>2020-05-01</a:t>
+              <a:t>2020-05-02</a:t>
             </a:fld>
             <a:endParaRPr lang="en-CA"/>
           </a:p>
@@ -9183,7 +9139,7 @@
           <p:cNvPr id="3" name="Picture 2">
             <a:extLst>
               <a:ext uri="{FF2B5EF4-FFF2-40B4-BE49-F238E27FC236}">
-                <a16:creationId xmlns:a16="http://schemas.microsoft.com/office/drawing/2014/main" id="{C5D7438A-7CA2-471E-81EF-38A3137A6E88}"/>
+                <a16:creationId xmlns:a16="http://schemas.microsoft.com/office/drawing/2014/main" id="{02A824D1-C636-425B-B989-A0F3E3885160}"/>
               </a:ext>
             </a:extLst>
           </p:cNvPr>
@@ -9200,8 +9156,8 @@
         </p:blipFill>
         <p:spPr>
           <a:xfrm>
-            <a:off x="4402036" y="1552352"/>
-            <a:ext cx="7549580" cy="3067273"/>
+            <a:off x="4161875" y="1496083"/>
+            <a:ext cx="7906853" cy="4706007"/>
           </a:xfrm>
           <a:prstGeom prst="rect">
             <a:avLst/>
@@ -9522,10 +9478,10 @@
       </p:sp>
       <p:pic>
         <p:nvPicPr>
-          <p:cNvPr id="3" name="Picture 2">
+          <p:cNvPr id="5" name="Picture 4">
             <a:extLst>
               <a:ext uri="{FF2B5EF4-FFF2-40B4-BE49-F238E27FC236}">
-                <a16:creationId xmlns:a16="http://schemas.microsoft.com/office/drawing/2014/main" id="{DC3BF707-CA06-4C48-AECB-75A0E15A9779}"/>
+                <a16:creationId xmlns:a16="http://schemas.microsoft.com/office/drawing/2014/main" id="{381D9BBB-A441-4F06-BCC9-9BCF0E4115F4}"/>
               </a:ext>
             </a:extLst>
           </p:cNvPr>
@@ -9542,8 +9498,8 @@
         </p:blipFill>
         <p:spPr>
           <a:xfrm>
-            <a:off x="507788" y="1066800"/>
-            <a:ext cx="5557828" cy="2623980"/>
+            <a:off x="410700" y="1064411"/>
+            <a:ext cx="5422899" cy="2636403"/>
           </a:xfrm>
           <a:prstGeom prst="rect">
             <a:avLst/>
@@ -9552,10 +9508,10 @@
       </p:pic>
       <p:pic>
         <p:nvPicPr>
-          <p:cNvPr id="4" name="Picture 3">
+          <p:cNvPr id="6" name="Picture 5">
             <a:extLst>
               <a:ext uri="{FF2B5EF4-FFF2-40B4-BE49-F238E27FC236}">
-                <a16:creationId xmlns:a16="http://schemas.microsoft.com/office/drawing/2014/main" id="{143D5220-3964-4AF3-BCD1-1BE0C76E0808}"/>
+                <a16:creationId xmlns:a16="http://schemas.microsoft.com/office/drawing/2014/main" id="{B8F0C83D-D584-43E7-9DEE-F5DC2308D46E}"/>
               </a:ext>
             </a:extLst>
           </p:cNvPr>
@@ -9572,8 +9528,8 @@
         </p:blipFill>
         <p:spPr>
           <a:xfrm>
-            <a:off x="6096000" y="1066800"/>
-            <a:ext cx="5829161" cy="2733675"/>
+            <a:off x="6090962" y="1081599"/>
+            <a:ext cx="5422899" cy="2616826"/>
           </a:xfrm>
           <a:prstGeom prst="rect">
             <a:avLst/>
@@ -9924,10 +9880,10 @@
       </p:sp>
       <p:pic>
         <p:nvPicPr>
-          <p:cNvPr id="3" name="Picture 2">
+          <p:cNvPr id="5" name="Picture 4">
             <a:extLst>
               <a:ext uri="{FF2B5EF4-FFF2-40B4-BE49-F238E27FC236}">
-                <a16:creationId xmlns:a16="http://schemas.microsoft.com/office/drawing/2014/main" id="{503986C3-F44C-4C6D-A4A2-F1B8D682104F}"/>
+                <a16:creationId xmlns:a16="http://schemas.microsoft.com/office/drawing/2014/main" id="{27EFBD20-E187-4A99-90A6-7B972A119C33}"/>
               </a:ext>
             </a:extLst>
           </p:cNvPr>
@@ -9944,8 +9900,8 @@
         </p:blipFill>
         <p:spPr>
           <a:xfrm>
-            <a:off x="354942" y="1072690"/>
-            <a:ext cx="5566392" cy="2590236"/>
+            <a:off x="315134" y="1072690"/>
+            <a:ext cx="5624027" cy="2710375"/>
           </a:xfrm>
           <a:prstGeom prst="rect">
             <a:avLst/>
@@ -9954,10 +9910,10 @@
       </p:pic>
       <p:pic>
         <p:nvPicPr>
-          <p:cNvPr id="4" name="Picture 3">
+          <p:cNvPr id="10" name="Picture 9">
             <a:extLst>
               <a:ext uri="{FF2B5EF4-FFF2-40B4-BE49-F238E27FC236}">
-                <a16:creationId xmlns:a16="http://schemas.microsoft.com/office/drawing/2014/main" id="{C7E3C798-0343-4254-888D-5F250AB4B186}"/>
+                <a16:creationId xmlns:a16="http://schemas.microsoft.com/office/drawing/2014/main" id="{2D79023F-A9A7-4242-A8B8-3F78A203CC9A}"/>
               </a:ext>
             </a:extLst>
           </p:cNvPr>
@@ -9974,8 +9930,8 @@
         </p:blipFill>
         <p:spPr>
           <a:xfrm>
-            <a:off x="6096000" y="1072690"/>
-            <a:ext cx="5496985" cy="2590236"/>
+            <a:off x="5933283" y="1072690"/>
+            <a:ext cx="5694778" cy="2708243"/>
           </a:xfrm>
           <a:prstGeom prst="rect">
             <a:avLst/>
@@ -10062,7 +10018,7 @@
         </p:nvSpPr>
         <p:spPr>
           <a:xfrm flipH="1">
-            <a:off x="1676399" y="6229128"/>
+            <a:off x="1459237" y="6229128"/>
             <a:ext cx="3644899" cy="369332"/>
           </a:xfrm>
           <a:prstGeom prst="rect">
@@ -10122,10 +10078,10 @@
       </p:sp>
       <p:pic>
         <p:nvPicPr>
-          <p:cNvPr id="3" name="Picture 2">
+          <p:cNvPr id="5" name="Picture 4">
             <a:extLst>
               <a:ext uri="{FF2B5EF4-FFF2-40B4-BE49-F238E27FC236}">
-                <a16:creationId xmlns:a16="http://schemas.microsoft.com/office/drawing/2014/main" id="{7F7EBF42-523F-499C-A009-13762C2C975C}"/>
+                <a16:creationId xmlns:a16="http://schemas.microsoft.com/office/drawing/2014/main" id="{C4F07813-BB0F-4BE8-B398-6F5B8101506F}"/>
               </a:ext>
             </a:extLst>
           </p:cNvPr>
@@ -10142,8 +10098,8 @@
         </p:blipFill>
         <p:spPr>
           <a:xfrm>
-            <a:off x="612772" y="901700"/>
-            <a:ext cx="5483228" cy="5211332"/>
+            <a:off x="457075" y="899755"/>
+            <a:ext cx="5370621" cy="5265443"/>
           </a:xfrm>
           <a:prstGeom prst="rect">
             <a:avLst/>
@@ -10152,10 +10108,10 @@
       </p:pic>
       <p:pic>
         <p:nvPicPr>
-          <p:cNvPr id="4" name="Picture 3">
+          <p:cNvPr id="6" name="Picture 5">
             <a:extLst>
               <a:ext uri="{FF2B5EF4-FFF2-40B4-BE49-F238E27FC236}">
-                <a16:creationId xmlns:a16="http://schemas.microsoft.com/office/drawing/2014/main" id="{76835456-DFCA-4B56-B2D4-67DEA8A72A22}"/>
+                <a16:creationId xmlns:a16="http://schemas.microsoft.com/office/drawing/2014/main" id="{27CC5F11-6C19-40B2-88A7-F8647D311F68}"/>
               </a:ext>
             </a:extLst>
           </p:cNvPr>
@@ -10172,8 +10128,8 @@
         </p:blipFill>
         <p:spPr>
           <a:xfrm>
-            <a:off x="6096001" y="901700"/>
-            <a:ext cx="5483228" cy="5261552"/>
+            <a:off x="6364306" y="899755"/>
+            <a:ext cx="5370621" cy="5175089"/>
           </a:xfrm>
           <a:prstGeom prst="rect">
             <a:avLst/>
@@ -10320,10 +10276,10 @@
       </p:sp>
       <p:pic>
         <p:nvPicPr>
-          <p:cNvPr id="5" name="Picture 4">
+          <p:cNvPr id="3" name="Picture 2">
             <a:extLst>
               <a:ext uri="{FF2B5EF4-FFF2-40B4-BE49-F238E27FC236}">
-                <a16:creationId xmlns:a16="http://schemas.microsoft.com/office/drawing/2014/main" id="{9110FA96-8120-4F78-9EC1-4B3EFE83B106}"/>
+                <a16:creationId xmlns:a16="http://schemas.microsoft.com/office/drawing/2014/main" id="{0FFB37A8-198F-4802-861D-63F61A573B76}"/>
               </a:ext>
             </a:extLst>
           </p:cNvPr>
@@ -10340,8 +10296,8 @@
         </p:blipFill>
         <p:spPr>
           <a:xfrm>
-            <a:off x="368166" y="901700"/>
-            <a:ext cx="5603454" cy="5400675"/>
+            <a:off x="398339" y="901138"/>
+            <a:ext cx="5441643" cy="5328554"/>
           </a:xfrm>
           <a:prstGeom prst="rect">
             <a:avLst/>
@@ -10350,10 +10306,10 @@
       </p:pic>
       <p:pic>
         <p:nvPicPr>
-          <p:cNvPr id="6" name="Picture 5">
+          <p:cNvPr id="4" name="Picture 3">
             <a:extLst>
               <a:ext uri="{FF2B5EF4-FFF2-40B4-BE49-F238E27FC236}">
-                <a16:creationId xmlns:a16="http://schemas.microsoft.com/office/drawing/2014/main" id="{F8F1566F-F02A-45A6-971F-706E1383F152}"/>
+                <a16:creationId xmlns:a16="http://schemas.microsoft.com/office/drawing/2014/main" id="{7B68FFDA-C27C-4EAD-9A75-229AEEE4354D}"/>
               </a:ext>
             </a:extLst>
           </p:cNvPr>
@@ -10370,8 +10326,8 @@
         </p:blipFill>
         <p:spPr>
           <a:xfrm>
-            <a:off x="5971621" y="901701"/>
-            <a:ext cx="5737230" cy="5327428"/>
+            <a:off x="6095999" y="901138"/>
+            <a:ext cx="5624355" cy="5327990"/>
           </a:xfrm>
           <a:prstGeom prst="rect">
             <a:avLst/>
@@ -10559,10 +10515,10 @@
       </p:sp>
       <p:pic>
         <p:nvPicPr>
-          <p:cNvPr id="3" name="Picture 2">
+          <p:cNvPr id="5" name="Picture 4">
             <a:extLst>
               <a:ext uri="{FF2B5EF4-FFF2-40B4-BE49-F238E27FC236}">
-                <a16:creationId xmlns:a16="http://schemas.microsoft.com/office/drawing/2014/main" id="{F99A2E08-FF64-4972-8701-5632655456B9}"/>
+                <a16:creationId xmlns:a16="http://schemas.microsoft.com/office/drawing/2014/main" id="{08EC92B1-C402-4306-9F4F-2ED6CE20DF6F}"/>
               </a:ext>
             </a:extLst>
           </p:cNvPr>
@@ -10579,8 +10535,8 @@
         </p:blipFill>
         <p:spPr>
           <a:xfrm>
-            <a:off x="6371859" y="1375096"/>
-            <a:ext cx="5239481" cy="3496163"/>
+            <a:off x="6232167" y="1375096"/>
+            <a:ext cx="5087060" cy="3486637"/>
           </a:xfrm>
           <a:prstGeom prst="rect">
             <a:avLst/>
@@ -10589,10 +10545,10 @@
       </p:pic>
       <p:pic>
         <p:nvPicPr>
-          <p:cNvPr id="4" name="Picture 3">
+          <p:cNvPr id="6" name="Picture 5">
             <a:extLst>
               <a:ext uri="{FF2B5EF4-FFF2-40B4-BE49-F238E27FC236}">
-                <a16:creationId xmlns:a16="http://schemas.microsoft.com/office/drawing/2014/main" id="{F6B7762C-9865-49B8-8B3E-8D977C3191B8}"/>
+                <a16:creationId xmlns:a16="http://schemas.microsoft.com/office/drawing/2014/main" id="{2272547B-914D-469F-B97C-593E2B023269}"/>
               </a:ext>
             </a:extLst>
           </p:cNvPr>
@@ -10609,8 +10565,8 @@
         </p:blipFill>
         <p:spPr>
           <a:xfrm>
-            <a:off x="580660" y="1375096"/>
-            <a:ext cx="5577143" cy="3611174"/>
+            <a:off x="958511" y="1577501"/>
+            <a:ext cx="5001323" cy="3286584"/>
           </a:xfrm>
           <a:prstGeom prst="rect">
             <a:avLst/>
@@ -10695,7 +10651,7 @@
           <p:cNvPr id="2" name="Picture 1">
             <a:extLst>
               <a:ext uri="{FF2B5EF4-FFF2-40B4-BE49-F238E27FC236}">
-                <a16:creationId xmlns:a16="http://schemas.microsoft.com/office/drawing/2014/main" id="{96C4F937-B04F-4FB6-B472-37EEA3A305DC}"/>
+                <a16:creationId xmlns:a16="http://schemas.microsoft.com/office/drawing/2014/main" id="{10714943-AFB7-487E-8C63-457268B63756}"/>
               </a:ext>
             </a:extLst>
           </p:cNvPr>
@@ -10705,15 +10661,15 @@
           <p:nvPr/>
         </p:nvPicPr>
         <p:blipFill>
-          <a:blip r:embed="rId2"/>
+          <a:blip r:embed="rId3"/>
           <a:stretch>
             <a:fillRect/>
           </a:stretch>
         </p:blipFill>
         <p:spPr>
           <a:xfrm>
-            <a:off x="2904499" y="212323"/>
-            <a:ext cx="8973802" cy="6106377"/>
+            <a:off x="4473921" y="53266"/>
+            <a:ext cx="7156727" cy="6751467"/>
           </a:xfrm>
           <a:prstGeom prst="rect">
             <a:avLst/>
@@ -10733,7 +10689,7 @@
     </p:spTree>
     <p:extLst>
       <p:ext uri="{BB962C8B-B14F-4D97-AF65-F5344CB8AC3E}">
-        <p14:creationId xmlns:p14="http://schemas.microsoft.com/office/powerpoint/2010/main" val="3974527612"/>
+        <p14:creationId xmlns:p14="http://schemas.microsoft.com/office/powerpoint/2010/main" val="4188742258"/>
       </p:ext>
     </p:extLst>
   </p:cSld>
@@ -10828,10 +10784,10 @@
       </p:pic>
       <p:pic>
         <p:nvPicPr>
-          <p:cNvPr id="4" name="Picture 3">
+          <p:cNvPr id="5" name="Picture 4">
             <a:extLst>
               <a:ext uri="{FF2B5EF4-FFF2-40B4-BE49-F238E27FC236}">
-                <a16:creationId xmlns:a16="http://schemas.microsoft.com/office/drawing/2014/main" id="{BE12B169-0562-40AF-A819-B355845BFB36}"/>
+                <a16:creationId xmlns:a16="http://schemas.microsoft.com/office/drawing/2014/main" id="{174215E3-B1A9-4E73-BA01-F04EBD1B1412}"/>
               </a:ext>
             </a:extLst>
           </p:cNvPr>
@@ -10848,12 +10804,22 @@
         </p:blipFill>
         <p:spPr>
           <a:xfrm>
-            <a:off x="1490662" y="1095375"/>
-            <a:ext cx="8910638" cy="5326654"/>
+            <a:off x="1160478" y="1095375"/>
+            <a:ext cx="8968273" cy="5376446"/>
           </a:xfrm>
           <a:prstGeom prst="rect">
             <a:avLst/>
           </a:prstGeom>
+          <a:ln>
+            <a:noFill/>
+          </a:ln>
+          <a:effectLst>
+            <a:outerShdw blurRad="292100" dist="139700" dir="2700000" algn="tl" rotWithShape="0">
+              <a:srgbClr val="333333">
+                <a:alpha val="65000"/>
+              </a:srgbClr>
+            </a:outerShdw>
+          </a:effectLst>
         </p:spPr>
       </p:pic>
     </p:spTree>
@@ -10888,102 +10854,6 @@
       </p:grpSpPr>
       <p:sp>
         <p:nvSpPr>
-          <p:cNvPr id="7" name="Title 1">
-            <a:extLst>
-              <a:ext uri="{FF2B5EF4-FFF2-40B4-BE49-F238E27FC236}">
-                <a16:creationId xmlns:a16="http://schemas.microsoft.com/office/drawing/2014/main" id="{752C5A0A-D30B-4C6C-82DB-0C2061753A5F}"/>
-              </a:ext>
-            </a:extLst>
-          </p:cNvPr>
-          <p:cNvSpPr>
-            <a:spLocks noGrp="1"/>
-          </p:cNvSpPr>
-          <p:nvPr>
-            <p:ph type="title"/>
-          </p:nvPr>
-        </p:nvSpPr>
-        <p:spPr>
-          <a:xfrm>
-            <a:off x="275855" y="160268"/>
-            <a:ext cx="11497045" cy="1187228"/>
-          </a:xfrm>
-        </p:spPr>
-        <p:txBody>
-          <a:bodyPr>
-            <a:normAutofit/>
-          </a:bodyPr>
-          <a:lstStyle/>
-          <a:p>
-            <a:r>
-              <a:rPr lang="en-US" b="1" dirty="0"/>
-              <a:t>Visualization of  F1 Score Variance by Model Type</a:t>
-            </a:r>
-            <a:endParaRPr lang="en-CA" b="1" dirty="0"/>
-          </a:p>
-        </p:txBody>
-      </p:sp>
-      <p:pic>
-        <p:nvPicPr>
-          <p:cNvPr id="3" name="Picture 2">
-            <a:extLst>
-              <a:ext uri="{FF2B5EF4-FFF2-40B4-BE49-F238E27FC236}">
-                <a16:creationId xmlns:a16="http://schemas.microsoft.com/office/drawing/2014/main" id="{86951C0D-F079-4152-8FDE-7DAAFA255CC3}"/>
-              </a:ext>
-            </a:extLst>
-          </p:cNvPr>
-          <p:cNvPicPr>
-            <a:picLocks noChangeAspect="1"/>
-          </p:cNvPicPr>
-          <p:nvPr/>
-        </p:nvPicPr>
-        <p:blipFill>
-          <a:blip r:embed="rId3"/>
-          <a:stretch>
-            <a:fillRect/>
-          </a:stretch>
-        </p:blipFill>
-        <p:spPr>
-          <a:xfrm>
-            <a:off x="1590046" y="1042654"/>
-            <a:ext cx="9011908" cy="4772691"/>
-          </a:xfrm>
-          <a:prstGeom prst="rect">
-            <a:avLst/>
-          </a:prstGeom>
-        </p:spPr>
-      </p:pic>
-    </p:spTree>
-    <p:extLst>
-      <p:ext uri="{BB962C8B-B14F-4D97-AF65-F5344CB8AC3E}">
-        <p14:creationId xmlns:p14="http://schemas.microsoft.com/office/powerpoint/2010/main" val="944203888"/>
-      </p:ext>
-    </p:extLst>
-  </p:cSld>
-  <p:clrMapOvr>
-    <a:masterClrMapping/>
-  </p:clrMapOvr>
-</p:sld>
-</file>
-
-<file path=ppt/slides/slide19.xml><?xml version="1.0" encoding="utf-8"?>
-<p:sld xmlns:a="http://schemas.openxmlformats.org/drawingml/2006/main" xmlns:r="http://schemas.openxmlformats.org/officeDocument/2006/relationships" xmlns:p="http://schemas.openxmlformats.org/presentationml/2006/main">
-  <p:cSld>
-    <p:spTree>
-      <p:nvGrpSpPr>
-        <p:cNvPr id="1" name=""/>
-        <p:cNvGrpSpPr/>
-        <p:nvPr/>
-      </p:nvGrpSpPr>
-      <p:grpSpPr>
-        <a:xfrm>
-          <a:off x="0" y="0"/>
-          <a:ext cx="0" cy="0"/>
-          <a:chOff x="0" y="0"/>
-          <a:chExt cx="0" cy="0"/>
-        </a:xfrm>
-      </p:grpSpPr>
-      <p:sp>
-        <p:nvSpPr>
           <p:cNvPr id="5" name="Title 4">
             <a:extLst>
               <a:ext uri="{FF2B5EF4-FFF2-40B4-BE49-F238E27FC236}">
@@ -11020,10 +10890,10 @@
       </p:sp>
       <p:pic>
         <p:nvPicPr>
-          <p:cNvPr id="6" name="Picture 5">
+          <p:cNvPr id="2" name="Picture 1">
             <a:extLst>
               <a:ext uri="{FF2B5EF4-FFF2-40B4-BE49-F238E27FC236}">
-                <a16:creationId xmlns:a16="http://schemas.microsoft.com/office/drawing/2014/main" id="{B46D0DF2-B870-4534-A1F6-D22CA1F31CDC}"/>
+                <a16:creationId xmlns:a16="http://schemas.microsoft.com/office/drawing/2014/main" id="{FFF3285F-E5E6-4AA2-8D4A-13B98D9E2D2B}"/>
               </a:ext>
             </a:extLst>
           </p:cNvPr>
@@ -11040,8 +10910,8 @@
         </p:blipFill>
         <p:spPr>
           <a:xfrm>
-            <a:off x="1033462" y="1057276"/>
-            <a:ext cx="10125075" cy="5062537"/>
+            <a:off x="1188498" y="1057276"/>
+            <a:ext cx="9815004" cy="5137817"/>
           </a:xfrm>
           <a:prstGeom prst="rect">
             <a:avLst/>
@@ -11071,149 +10941,7 @@
 </p:sld>
 </file>
 
-<file path=ppt/slides/slide2.xml><?xml version="1.0" encoding="utf-8"?>
-<p:sld xmlns:a="http://schemas.openxmlformats.org/drawingml/2006/main" xmlns:r="http://schemas.openxmlformats.org/officeDocument/2006/relationships" xmlns:p="http://schemas.openxmlformats.org/presentationml/2006/main">
-  <p:cSld>
-    <p:spTree>
-      <p:nvGrpSpPr>
-        <p:cNvPr id="1" name=""/>
-        <p:cNvGrpSpPr/>
-        <p:nvPr/>
-      </p:nvGrpSpPr>
-      <p:grpSpPr>
-        <a:xfrm>
-          <a:off x="0" y="0"/>
-          <a:ext cx="0" cy="0"/>
-          <a:chOff x="0" y="0"/>
-          <a:chExt cx="0" cy="0"/>
-        </a:xfrm>
-      </p:grpSpPr>
-      <p:sp>
-        <p:nvSpPr>
-          <p:cNvPr id="4" name="Title 3">
-            <a:extLst>
-              <a:ext uri="{FF2B5EF4-FFF2-40B4-BE49-F238E27FC236}">
-                <a16:creationId xmlns:a16="http://schemas.microsoft.com/office/drawing/2014/main" id="{311E55CB-BA9F-49CC-844D-A22FA095A609}"/>
-              </a:ext>
-            </a:extLst>
-          </p:cNvPr>
-          <p:cNvSpPr>
-            <a:spLocks noGrp="1"/>
-          </p:cNvSpPr>
-          <p:nvPr>
-            <p:ph type="title"/>
-          </p:nvPr>
-        </p:nvSpPr>
-        <p:spPr/>
-        <p:txBody>
-          <a:bodyPr/>
-          <a:lstStyle/>
-          <a:p>
-            <a:r>
-              <a:rPr lang="en-US" dirty="0"/>
-              <a:t>CSML1010 – Milestone 2</a:t>
-            </a:r>
-            <a:endParaRPr lang="en-CA" dirty="0"/>
-          </a:p>
-        </p:txBody>
-      </p:sp>
-      <p:sp>
-        <p:nvSpPr>
-          <p:cNvPr id="5" name="Content Placeholder 4">
-            <a:extLst>
-              <a:ext uri="{FF2B5EF4-FFF2-40B4-BE49-F238E27FC236}">
-                <a16:creationId xmlns:a16="http://schemas.microsoft.com/office/drawing/2014/main" id="{CCEDE552-9463-4CD8-8C88-2214A514F6F2}"/>
-              </a:ext>
-            </a:extLst>
-          </p:cNvPr>
-          <p:cNvSpPr>
-            <a:spLocks noGrp="1"/>
-          </p:cNvSpPr>
-          <p:nvPr>
-            <p:ph idx="1"/>
-          </p:nvPr>
-        </p:nvSpPr>
-        <p:spPr>
-          <a:xfrm>
-            <a:off x="838200" y="1825625"/>
-            <a:ext cx="10528300" cy="4351338"/>
-          </a:xfrm>
-        </p:spPr>
-        <p:txBody>
-          <a:bodyPr>
-            <a:normAutofit/>
-          </a:bodyPr>
-          <a:lstStyle/>
-          <a:p>
-            <a:r>
-              <a:rPr lang="en-US" sz="2000" dirty="0"/>
-              <a:t>Dataset: Taskmaster-1 from Google</a:t>
-            </a:r>
-          </a:p>
-          <a:p>
-            <a:r>
-              <a:rPr lang="en-US" sz="2000" dirty="0"/>
-              <a:t>NLP Multi-Class Text Classification Problem</a:t>
-            </a:r>
-          </a:p>
-          <a:p>
-            <a:r>
-              <a:rPr lang="en-US" sz="2000" dirty="0"/>
-              <a:t>Data Preparation</a:t>
-            </a:r>
-          </a:p>
-          <a:p>
-            <a:r>
-              <a:rPr lang="en-US" sz="2000" dirty="0"/>
-              <a:t>Data Clean Up</a:t>
-            </a:r>
-          </a:p>
-          <a:p>
-            <a:r>
-              <a:rPr lang="en-US" sz="2000" dirty="0"/>
-              <a:t>Exploratory Data Analysis</a:t>
-            </a:r>
-          </a:p>
-          <a:p>
-            <a:r>
-              <a:rPr lang="en-US" sz="2000" dirty="0"/>
-              <a:t>Feature Extraction &amp; Engineering</a:t>
-            </a:r>
-          </a:p>
-          <a:p>
-            <a:r>
-              <a:rPr lang="en-US" sz="2000" dirty="0"/>
-              <a:t>Feature Scaling &amp; Selection</a:t>
-            </a:r>
-          </a:p>
-          <a:p>
-            <a:r>
-              <a:rPr lang="en-US" b="1" dirty="0"/>
-              <a:t>Modeling </a:t>
-            </a:r>
-          </a:p>
-          <a:p>
-            <a:r>
-              <a:rPr lang="en-US" b="1" dirty="0"/>
-              <a:t>Model Evaluation &amp; Tuning</a:t>
-            </a:r>
-          </a:p>
-        </p:txBody>
-      </p:sp>
-    </p:spTree>
-    <p:extLst>
-      <p:ext uri="{BB962C8B-B14F-4D97-AF65-F5344CB8AC3E}">
-        <p14:creationId xmlns:p14="http://schemas.microsoft.com/office/powerpoint/2010/main" val="1220763550"/>
-      </p:ext>
-    </p:extLst>
-  </p:cSld>
-  <p:clrMapOvr>
-    <a:masterClrMapping/>
-  </p:clrMapOvr>
-</p:sld>
-</file>
-
-<file path=ppt/slides/slide20.xml><?xml version="1.0" encoding="utf-8"?>
+<file path=ppt/slides/slide19.xml><?xml version="1.0" encoding="utf-8"?>
 <p:sld xmlns:a="http://schemas.openxmlformats.org/drawingml/2006/main" xmlns:r="http://schemas.openxmlformats.org/officeDocument/2006/relationships" xmlns:p="http://schemas.openxmlformats.org/presentationml/2006/main">
   <p:cSld>
     <p:spTree>
@@ -11784,6 +11512,148 @@
     <p:extLst>
       <p:ext uri="{BB962C8B-B14F-4D97-AF65-F5344CB8AC3E}">
         <p14:creationId xmlns:p14="http://schemas.microsoft.com/office/powerpoint/2010/main" val="1819989284"/>
+      </p:ext>
+    </p:extLst>
+  </p:cSld>
+  <p:clrMapOvr>
+    <a:masterClrMapping/>
+  </p:clrMapOvr>
+</p:sld>
+</file>
+
+<file path=ppt/slides/slide2.xml><?xml version="1.0" encoding="utf-8"?>
+<p:sld xmlns:a="http://schemas.openxmlformats.org/drawingml/2006/main" xmlns:r="http://schemas.openxmlformats.org/officeDocument/2006/relationships" xmlns:p="http://schemas.openxmlformats.org/presentationml/2006/main">
+  <p:cSld>
+    <p:spTree>
+      <p:nvGrpSpPr>
+        <p:cNvPr id="1" name=""/>
+        <p:cNvGrpSpPr/>
+        <p:nvPr/>
+      </p:nvGrpSpPr>
+      <p:grpSpPr>
+        <a:xfrm>
+          <a:off x="0" y="0"/>
+          <a:ext cx="0" cy="0"/>
+          <a:chOff x="0" y="0"/>
+          <a:chExt cx="0" cy="0"/>
+        </a:xfrm>
+      </p:grpSpPr>
+      <p:sp>
+        <p:nvSpPr>
+          <p:cNvPr id="4" name="Title 3">
+            <a:extLst>
+              <a:ext uri="{FF2B5EF4-FFF2-40B4-BE49-F238E27FC236}">
+                <a16:creationId xmlns:a16="http://schemas.microsoft.com/office/drawing/2014/main" id="{311E55CB-BA9F-49CC-844D-A22FA095A609}"/>
+              </a:ext>
+            </a:extLst>
+          </p:cNvPr>
+          <p:cNvSpPr>
+            <a:spLocks noGrp="1"/>
+          </p:cNvSpPr>
+          <p:nvPr>
+            <p:ph type="title"/>
+          </p:nvPr>
+        </p:nvSpPr>
+        <p:spPr/>
+        <p:txBody>
+          <a:bodyPr/>
+          <a:lstStyle/>
+          <a:p>
+            <a:r>
+              <a:rPr lang="en-US" dirty="0"/>
+              <a:t>CSML1010 – Milestone 2</a:t>
+            </a:r>
+            <a:endParaRPr lang="en-CA" dirty="0"/>
+          </a:p>
+        </p:txBody>
+      </p:sp>
+      <p:sp>
+        <p:nvSpPr>
+          <p:cNvPr id="5" name="Content Placeholder 4">
+            <a:extLst>
+              <a:ext uri="{FF2B5EF4-FFF2-40B4-BE49-F238E27FC236}">
+                <a16:creationId xmlns:a16="http://schemas.microsoft.com/office/drawing/2014/main" id="{CCEDE552-9463-4CD8-8C88-2214A514F6F2}"/>
+              </a:ext>
+            </a:extLst>
+          </p:cNvPr>
+          <p:cNvSpPr>
+            <a:spLocks noGrp="1"/>
+          </p:cNvSpPr>
+          <p:nvPr>
+            <p:ph idx="1"/>
+          </p:nvPr>
+        </p:nvSpPr>
+        <p:spPr>
+          <a:xfrm>
+            <a:off x="838200" y="1825625"/>
+            <a:ext cx="10528300" cy="4351338"/>
+          </a:xfrm>
+        </p:spPr>
+        <p:txBody>
+          <a:bodyPr>
+            <a:normAutofit/>
+          </a:bodyPr>
+          <a:lstStyle/>
+          <a:p>
+            <a:r>
+              <a:rPr lang="en-US" sz="2000" dirty="0"/>
+              <a:t>Dataset: Taskmaster-1 from Google</a:t>
+            </a:r>
+          </a:p>
+          <a:p>
+            <a:r>
+              <a:rPr lang="en-US" sz="2000" dirty="0"/>
+              <a:t>NLP Multi-Class Text Classification Problem</a:t>
+            </a:r>
+          </a:p>
+          <a:p>
+            <a:r>
+              <a:rPr lang="en-US" sz="2000" dirty="0"/>
+              <a:t>Data Preparation</a:t>
+            </a:r>
+          </a:p>
+          <a:p>
+            <a:r>
+              <a:rPr lang="en-US" sz="2000" dirty="0"/>
+              <a:t>Data Clean Up</a:t>
+            </a:r>
+          </a:p>
+          <a:p>
+            <a:r>
+              <a:rPr lang="en-US" sz="2000" dirty="0"/>
+              <a:t>Exploratory Data Analysis</a:t>
+            </a:r>
+          </a:p>
+          <a:p>
+            <a:r>
+              <a:rPr lang="en-US" sz="2000" dirty="0"/>
+              <a:t>Feature Extraction &amp; Engineering</a:t>
+            </a:r>
+          </a:p>
+          <a:p>
+            <a:r>
+              <a:rPr lang="en-US" sz="2000" dirty="0"/>
+              <a:t>Feature Scaling &amp; Selection</a:t>
+            </a:r>
+          </a:p>
+          <a:p>
+            <a:r>
+              <a:rPr lang="en-US" b="1" dirty="0"/>
+              <a:t>Modeling </a:t>
+            </a:r>
+          </a:p>
+          <a:p>
+            <a:r>
+              <a:rPr lang="en-US" b="1" dirty="0"/>
+              <a:t>Model Evaluation &amp; Tuning</a:t>
+            </a:r>
+          </a:p>
+        </p:txBody>
+      </p:sp>
+    </p:spTree>
+    <p:extLst>
+      <p:ext uri="{BB962C8B-B14F-4D97-AF65-F5344CB8AC3E}">
+        <p14:creationId xmlns:p14="http://schemas.microsoft.com/office/powerpoint/2010/main" val="1220763550"/>
       </p:ext>
     </p:extLst>
   </p:cSld>
@@ -14281,10 +14151,10 @@
       </p:sp>
       <p:pic>
         <p:nvPicPr>
-          <p:cNvPr id="5" name="Picture 4">
+          <p:cNvPr id="3" name="Picture 2">
             <a:extLst>
               <a:ext uri="{FF2B5EF4-FFF2-40B4-BE49-F238E27FC236}">
-                <a16:creationId xmlns:a16="http://schemas.microsoft.com/office/drawing/2014/main" id="{6E6336C9-4D8B-4F0B-A589-747784B6A414}"/>
+                <a16:creationId xmlns:a16="http://schemas.microsoft.com/office/drawing/2014/main" id="{968D72A5-ED9C-4A48-B306-8C115884B9D0}"/>
               </a:ext>
             </a:extLst>
           </p:cNvPr>
@@ -14301,8 +14171,8 @@
         </p:blipFill>
         <p:spPr>
           <a:xfrm>
-            <a:off x="6005371" y="1562544"/>
-            <a:ext cx="6020052" cy="3076132"/>
+            <a:off x="6234224" y="1562545"/>
+            <a:ext cx="5791202" cy="3014135"/>
           </a:xfrm>
           <a:prstGeom prst="rect">
             <a:avLst/>
@@ -14321,10 +14191,10 @@
       </p:pic>
       <p:pic>
         <p:nvPicPr>
-          <p:cNvPr id="7" name="Picture 6">
+          <p:cNvPr id="4" name="Picture 3">
             <a:extLst>
               <a:ext uri="{FF2B5EF4-FFF2-40B4-BE49-F238E27FC236}">
-                <a16:creationId xmlns:a16="http://schemas.microsoft.com/office/drawing/2014/main" id="{E739F819-68AA-4E24-839C-A78812B5664D}"/>
+                <a16:creationId xmlns:a16="http://schemas.microsoft.com/office/drawing/2014/main" id="{4D9EE55A-420E-4073-8316-3D7194881033}"/>
               </a:ext>
             </a:extLst>
           </p:cNvPr>
@@ -14341,8 +14211,8 @@
         </p:blipFill>
         <p:spPr>
           <a:xfrm>
-            <a:off x="250954" y="1562544"/>
-            <a:ext cx="5572903" cy="2562583"/>
+            <a:off x="166575" y="1562545"/>
+            <a:ext cx="5791202" cy="2719973"/>
           </a:xfrm>
           <a:prstGeom prst="rect">
             <a:avLst/>
